--- a/Word World.pptx
+++ b/Word World.pptx
@@ -4231,7 +4231,7 @@
           <a:p>
             <a:fld id="{B42574A4-F49F-424D-969A-62A5C25EF788}" type="datetimeFigureOut">
               <a:rPr lang="ko-KR" altLang="en-US" smtClean="0"/>
-              <a:t>2013-07-25</a:t>
+              <a:t>2013-07-31</a:t>
             </a:fld>
             <a:endParaRPr lang="ko-KR" altLang="en-US"/>
           </a:p>
@@ -4401,7 +4401,7 @@
           <a:p>
             <a:fld id="{B42574A4-F49F-424D-969A-62A5C25EF788}" type="datetimeFigureOut">
               <a:rPr lang="ko-KR" altLang="en-US" smtClean="0"/>
-              <a:t>2013-07-25</a:t>
+              <a:t>2013-07-31</a:t>
             </a:fld>
             <a:endParaRPr lang="ko-KR" altLang="en-US"/>
           </a:p>
@@ -4581,7 +4581,7 @@
           <a:p>
             <a:fld id="{B42574A4-F49F-424D-969A-62A5C25EF788}" type="datetimeFigureOut">
               <a:rPr lang="ko-KR" altLang="en-US" smtClean="0"/>
-              <a:t>2013-07-25</a:t>
+              <a:t>2013-07-31</a:t>
             </a:fld>
             <a:endParaRPr lang="ko-KR" altLang="en-US"/>
           </a:p>
@@ -4751,7 +4751,7 @@
           <a:p>
             <a:fld id="{B42574A4-F49F-424D-969A-62A5C25EF788}" type="datetimeFigureOut">
               <a:rPr lang="ko-KR" altLang="en-US" smtClean="0"/>
-              <a:t>2013-07-25</a:t>
+              <a:t>2013-07-31</a:t>
             </a:fld>
             <a:endParaRPr lang="ko-KR" altLang="en-US"/>
           </a:p>
@@ -4997,7 +4997,7 @@
           <a:p>
             <a:fld id="{B42574A4-F49F-424D-969A-62A5C25EF788}" type="datetimeFigureOut">
               <a:rPr lang="ko-KR" altLang="en-US" smtClean="0"/>
-              <a:t>2013-07-25</a:t>
+              <a:t>2013-07-31</a:t>
             </a:fld>
             <a:endParaRPr lang="ko-KR" altLang="en-US"/>
           </a:p>
@@ -5285,7 +5285,7 @@
           <a:p>
             <a:fld id="{B42574A4-F49F-424D-969A-62A5C25EF788}" type="datetimeFigureOut">
               <a:rPr lang="ko-KR" altLang="en-US" smtClean="0"/>
-              <a:t>2013-07-25</a:t>
+              <a:t>2013-07-31</a:t>
             </a:fld>
             <a:endParaRPr lang="ko-KR" altLang="en-US"/>
           </a:p>
@@ -5707,7 +5707,7 @@
           <a:p>
             <a:fld id="{B42574A4-F49F-424D-969A-62A5C25EF788}" type="datetimeFigureOut">
               <a:rPr lang="ko-KR" altLang="en-US" smtClean="0"/>
-              <a:t>2013-07-25</a:t>
+              <a:t>2013-07-31</a:t>
             </a:fld>
             <a:endParaRPr lang="ko-KR" altLang="en-US"/>
           </a:p>
@@ -5825,7 +5825,7 @@
           <a:p>
             <a:fld id="{B42574A4-F49F-424D-969A-62A5C25EF788}" type="datetimeFigureOut">
               <a:rPr lang="ko-KR" altLang="en-US" smtClean="0"/>
-              <a:t>2013-07-25</a:t>
+              <a:t>2013-07-31</a:t>
             </a:fld>
             <a:endParaRPr lang="ko-KR" altLang="en-US"/>
           </a:p>
@@ -5920,7 +5920,7 @@
           <a:p>
             <a:fld id="{B42574A4-F49F-424D-969A-62A5C25EF788}" type="datetimeFigureOut">
               <a:rPr lang="ko-KR" altLang="en-US" smtClean="0"/>
-              <a:t>2013-07-25</a:t>
+              <a:t>2013-07-31</a:t>
             </a:fld>
             <a:endParaRPr lang="ko-KR" altLang="en-US"/>
           </a:p>
@@ -6197,7 +6197,7 @@
           <a:p>
             <a:fld id="{B42574A4-F49F-424D-969A-62A5C25EF788}" type="datetimeFigureOut">
               <a:rPr lang="ko-KR" altLang="en-US" smtClean="0"/>
-              <a:t>2013-07-25</a:t>
+              <a:t>2013-07-31</a:t>
             </a:fld>
             <a:endParaRPr lang="ko-KR" altLang="en-US"/>
           </a:p>
@@ -6450,7 +6450,7 @@
           <a:p>
             <a:fld id="{B42574A4-F49F-424D-969A-62A5C25EF788}" type="datetimeFigureOut">
               <a:rPr lang="ko-KR" altLang="en-US" smtClean="0"/>
-              <a:t>2013-07-25</a:t>
+              <a:t>2013-07-31</a:t>
             </a:fld>
             <a:endParaRPr lang="ko-KR" altLang="en-US"/>
           </a:p>
@@ -6663,7 +6663,7 @@
           <a:p>
             <a:fld id="{B42574A4-F49F-424D-969A-62A5C25EF788}" type="datetimeFigureOut">
               <a:rPr lang="ko-KR" altLang="en-US" smtClean="0"/>
-              <a:t>2013-07-25</a:t>
+              <a:t>2013-07-31</a:t>
             </a:fld>
             <a:endParaRPr lang="ko-KR" altLang="en-US"/>
           </a:p>
@@ -13839,17 +13839,7 @@
                   </a:schemeClr>
                 </a:solidFill>
               </a:rPr>
-              <a:t> </a:t>
-            </a:r>
-            <a:r>
-              <a:rPr lang="en-US" altLang="ko-KR" sz="1400" dirty="0" smtClean="0">
-                <a:solidFill>
-                  <a:schemeClr val="bg1">
-                    <a:lumMod val="75000"/>
-                  </a:schemeClr>
-                </a:solidFill>
-              </a:rPr>
-              <a:t>– </a:t>
+              <a:t> – </a:t>
             </a:r>
             <a:r>
               <a:rPr lang="en-US" altLang="ko-KR" sz="1400" dirty="0" err="1" smtClean="0">
@@ -15044,17 +15034,7 @@
                   </a:schemeClr>
                 </a:solidFill>
               </a:rPr>
-              <a:t>mw – view </a:t>
-            </a:r>
-            <a:r>
-              <a:rPr lang="en-US" altLang="ko-KR" sz="1400" dirty="0" smtClean="0">
-                <a:solidFill>
-                  <a:schemeClr val="bg1">
-                    <a:lumMod val="75000"/>
-                  </a:schemeClr>
-                </a:solidFill>
-              </a:rPr>
-              <a:t>– </a:t>
+              <a:t>mw – view – </a:t>
             </a:r>
             <a:r>
               <a:rPr lang="en-US" altLang="ko-KR" sz="1400" dirty="0" err="1" smtClean="0">

--- a/Word World.pptx
+++ b/Word World.pptx
@@ -13128,6 +13128,14 @@
               </a:rPr>
               <a:t>사과</a:t>
             </a:r>
+            <a:r>
+              <a:rPr lang="en-US" altLang="ko-KR" dirty="0" smtClean="0">
+                <a:solidFill>
+                  <a:schemeClr val="tx1"/>
+                </a:solidFill>
+              </a:rPr>
+              <a:t>	0</a:t>
+            </a:r>
             <a:endParaRPr lang="en-US" altLang="ko-KR" dirty="0">
               <a:solidFill>
                 <a:schemeClr val="tx1"/>
@@ -13159,6 +13167,14 @@
               </a:rPr>
               <a:t>바나나</a:t>
             </a:r>
+            <a:r>
+              <a:rPr lang="en-US" altLang="ko-KR" dirty="0" smtClean="0">
+                <a:solidFill>
+                  <a:schemeClr val="tx1"/>
+                </a:solidFill>
+              </a:rPr>
+              <a:t>	2</a:t>
+            </a:r>
             <a:endParaRPr lang="en-US" altLang="ko-KR" dirty="0">
               <a:solidFill>
                 <a:schemeClr val="tx1"/>
@@ -13190,6 +13206,14 @@
               </a:rPr>
               <a:t>사탕</a:t>
             </a:r>
+            <a:r>
+              <a:rPr lang="en-US" altLang="ko-KR" dirty="0" smtClean="0">
+                <a:solidFill>
+                  <a:schemeClr val="tx1"/>
+                </a:solidFill>
+              </a:rPr>
+              <a:t>	1</a:t>
+            </a:r>
             <a:endParaRPr lang="en-US" altLang="ko-KR" dirty="0">
               <a:solidFill>
                 <a:schemeClr val="tx1"/>
@@ -13221,6 +13245,14 @@
               </a:rPr>
               <a:t>디지털</a:t>
             </a:r>
+            <a:r>
+              <a:rPr lang="en-US" altLang="ko-KR" dirty="0" smtClean="0">
+                <a:solidFill>
+                  <a:schemeClr val="tx1"/>
+                </a:solidFill>
+              </a:rPr>
+              <a:t>	0</a:t>
+            </a:r>
             <a:endParaRPr lang="en-US" altLang="ko-KR" dirty="0">
               <a:solidFill>
                 <a:schemeClr val="tx1"/>
@@ -13244,6 +13276,14 @@
               </a:rPr>
               <a:t>에너지</a:t>
             </a:r>
+            <a:r>
+              <a:rPr lang="en-US" altLang="ko-KR" dirty="0" smtClean="0">
+                <a:solidFill>
+                  <a:schemeClr val="tx1"/>
+                </a:solidFill>
+              </a:rPr>
+              <a:t>	0</a:t>
+            </a:r>
             <a:endParaRPr lang="en-US" altLang="ko-KR" dirty="0">
               <a:solidFill>
                 <a:schemeClr val="tx1"/>
@@ -13275,6 +13315,14 @@
               </a:rPr>
               <a:t>농장</a:t>
             </a:r>
+            <a:r>
+              <a:rPr lang="en-US" altLang="ko-KR" dirty="0" smtClean="0">
+                <a:solidFill>
+                  <a:schemeClr val="tx1"/>
+                </a:solidFill>
+              </a:rPr>
+              <a:t>	1</a:t>
+            </a:r>
             <a:endParaRPr lang="en-US" altLang="ko-KR" dirty="0">
               <a:solidFill>
                 <a:schemeClr val="tx1"/>
@@ -13306,6 +13354,14 @@
               </a:rPr>
               <a:t>소녀</a:t>
             </a:r>
+            <a:r>
+              <a:rPr lang="en-US" altLang="ko-KR" dirty="0" smtClean="0">
+                <a:solidFill>
+                  <a:schemeClr val="tx1"/>
+                </a:solidFill>
+              </a:rPr>
+              <a:t>	1</a:t>
+            </a:r>
             <a:endParaRPr lang="en-US" altLang="ko-KR" dirty="0">
               <a:solidFill>
                 <a:schemeClr val="tx1"/>
@@ -13337,6 +13393,14 @@
               </a:rPr>
               <a:t>집</a:t>
             </a:r>
+            <a:r>
+              <a:rPr lang="en-US" altLang="ko-KR" dirty="0" smtClean="0">
+                <a:solidFill>
+                  <a:schemeClr val="tx1"/>
+                </a:solidFill>
+              </a:rPr>
+              <a:t>	2</a:t>
+            </a:r>
             <a:endParaRPr lang="en-US" altLang="ko-KR" dirty="0">
               <a:solidFill>
                 <a:schemeClr val="tx1"/>
@@ -13368,6 +13432,14 @@
               </a:rPr>
               <a:t>나</a:t>
             </a:r>
+            <a:r>
+              <a:rPr lang="en-US" altLang="ko-KR" dirty="0" smtClean="0">
+                <a:solidFill>
+                  <a:schemeClr val="tx1"/>
+                </a:solidFill>
+              </a:rPr>
+              <a:t>	1</a:t>
+            </a:r>
             <a:endParaRPr lang="en-US" altLang="ko-KR" dirty="0">
               <a:solidFill>
                 <a:schemeClr val="tx1"/>
@@ -13392,12 +13464,20 @@
               <a:t>		6</a:t>
             </a:r>
             <a:r>
-              <a:rPr lang="ko-KR" altLang="en-US" dirty="0">
+              <a:rPr lang="ko-KR" altLang="en-US" dirty="0" smtClean="0">
                 <a:solidFill>
                   <a:schemeClr val="tx1"/>
                 </a:solidFill>
               </a:rPr>
               <a:t>월</a:t>
+            </a:r>
+            <a:r>
+              <a:rPr lang="en-US" altLang="ko-KR" dirty="0" smtClean="0">
+                <a:solidFill>
+                  <a:schemeClr val="tx1"/>
+                </a:solidFill>
+              </a:rPr>
+              <a:t>	1</a:t>
             </a:r>
             <a:endParaRPr lang="en-US" altLang="ko-KR" dirty="0">
               <a:solidFill>
@@ -13429,6 +13509,14 @@
                 </a:solidFill>
               </a:rPr>
               <a:t>한국</a:t>
+            </a:r>
+            <a:r>
+              <a:rPr lang="en-US" altLang="ko-KR" dirty="0" smtClean="0">
+                <a:solidFill>
+                  <a:schemeClr val="tx1"/>
+                </a:solidFill>
+              </a:rPr>
+              <a:t>	3</a:t>
             </a:r>
             <a:endParaRPr lang="ko" altLang="en-US" dirty="0">
               <a:solidFill>
@@ -14411,30 +14499,53 @@
                   <a:schemeClr val="tx1"/>
                 </a:solidFill>
               </a:rPr>
-              <a:t>사과         </a:t>
-            </a:r>
-            <a:r>
-              <a:rPr lang="ko-KR" altLang="en-US" b="1" dirty="0" err="1" smtClean="0">
-                <a:ln w="18000">
-                  <a:solidFill>
-                    <a:schemeClr val="accent2">
-                      <a:satMod val="140000"/>
-                    </a:schemeClr>
-                  </a:solidFill>
-                  <a:prstDash val="solid"/>
-                  <a:miter lim="800000"/>
-                </a:ln>
-                <a:noFill/>
-                <a:effectLst>
-                  <a:outerShdw blurRad="25500" dist="23000" dir="7020000" algn="tl">
-                    <a:srgbClr val="000000">
-                      <a:alpha val="50000"/>
-                    </a:srgbClr>
-                  </a:outerShdw>
-                </a:effectLst>
-              </a:rPr>
-              <a:t>ㅇ</a:t>
-            </a:r>
+              <a:t>사과</a:t>
+            </a:r>
+            <a:endParaRPr lang="en-US" altLang="ko-KR" dirty="0" smtClean="0">
+              <a:solidFill>
+                <a:schemeClr val="tx1"/>
+              </a:solidFill>
+            </a:endParaRPr>
+          </a:p>
+          <a:p>
+            <a:endParaRPr lang="en-US" altLang="ko-KR" dirty="0" smtClean="0">
+              <a:solidFill>
+                <a:schemeClr val="tx1"/>
+              </a:solidFill>
+            </a:endParaRPr>
+          </a:p>
+          <a:p>
+            <a:r>
+              <a:rPr lang="en-US" altLang="ko-KR" dirty="0" smtClean="0">
+                <a:solidFill>
+                  <a:schemeClr val="tx1"/>
+                </a:solidFill>
+              </a:rPr>
+              <a:t>BANANA </a:t>
+            </a:r>
+            <a:r>
+              <a:rPr lang="en-US" altLang="ko-KR" dirty="0" smtClean="0">
+                <a:solidFill>
+                  <a:schemeClr val="tx1"/>
+                </a:solidFill>
+              </a:rPr>
+              <a:t>	</a:t>
+            </a:r>
+            <a:r>
+              <a:rPr lang="ko-KR" altLang="en-US" dirty="0" smtClean="0">
+                <a:solidFill>
+                  <a:schemeClr val="tx1"/>
+                </a:solidFill>
+              </a:rPr>
+              <a:t>바나나</a:t>
+            </a:r>
+            <a:endParaRPr lang="en-US" altLang="ko-KR" dirty="0" smtClean="0">
+              <a:solidFill>
+                <a:schemeClr val="tx1"/>
+              </a:solidFill>
+            </a:endParaRPr>
+          </a:p>
+          <a:p>
             <a:endParaRPr lang="en-US" altLang="ko-KR" dirty="0">
               <a:solidFill>
                 <a:schemeClr val="tx1"/>
@@ -14442,6 +14553,37 @@
             </a:endParaRPr>
           </a:p>
           <a:p>
+            <a:r>
+              <a:rPr lang="en-US" altLang="ko-KR" dirty="0">
+                <a:solidFill>
+                  <a:schemeClr val="tx1"/>
+                </a:solidFill>
+              </a:rPr>
+              <a:t>CANDY </a:t>
+            </a:r>
+            <a:r>
+              <a:rPr lang="en-US" altLang="ko-KR" dirty="0" smtClean="0">
+                <a:solidFill>
+                  <a:schemeClr val="tx1"/>
+                </a:solidFill>
+              </a:rPr>
+              <a:t>		</a:t>
+            </a:r>
+            <a:r>
+              <a:rPr lang="ko-KR" altLang="en-US" dirty="0" smtClean="0">
+                <a:solidFill>
+                  <a:schemeClr val="tx1"/>
+                </a:solidFill>
+              </a:rPr>
+              <a:t>사탕</a:t>
+            </a:r>
+            <a:endParaRPr lang="en-US" altLang="ko-KR" dirty="0" smtClean="0">
+              <a:solidFill>
+                <a:schemeClr val="tx1"/>
+              </a:solidFill>
+            </a:endParaRPr>
+          </a:p>
+          <a:p>
             <a:endParaRPr lang="en-US" altLang="ko-KR" dirty="0">
               <a:solidFill>
                 <a:schemeClr val="tx1"/>
@@ -14455,7 +14597,7 @@
                   <a:schemeClr val="tx1"/>
                 </a:solidFill>
               </a:rPr>
-              <a:t>BANANA </a:t>
+              <a:t>DIGITAL </a:t>
             </a:r>
             <a:r>
               <a:rPr lang="en-US" altLang="ko-KR" dirty="0" smtClean="0">
@@ -14463,7 +14605,7 @@
                   <a:schemeClr val="tx1"/>
                 </a:solidFill>
               </a:rPr>
-              <a:t>	</a:t>
+              <a:t>		</a:t>
             </a:r>
             <a:r>
               <a:rPr lang="ko-KR" altLang="en-US" dirty="0" smtClean="0">
@@ -14471,29 +14613,7 @@
                   <a:schemeClr val="tx1"/>
                 </a:solidFill>
               </a:rPr>
-              <a:t>바나나      </a:t>
-            </a:r>
-            <a:r>
-              <a:rPr lang="en-US" altLang="ko-KR" b="1" dirty="0" smtClean="0">
-                <a:ln w="18000">
-                  <a:solidFill>
-                    <a:schemeClr val="accent2">
-                      <a:satMod val="140000"/>
-                    </a:schemeClr>
-                  </a:solidFill>
-                  <a:prstDash val="solid"/>
-                  <a:miter lim="800000"/>
-                </a:ln>
-                <a:noFill/>
-                <a:effectLst>
-                  <a:outerShdw blurRad="25500" dist="23000" dir="7020000" algn="tl">
-                    <a:srgbClr val="000000">
-                      <a:alpha val="50000"/>
-                    </a:srgbClr>
-                  </a:outerShdw>
-                </a:effectLst>
-              </a:rPr>
-              <a:t>x</a:t>
+              <a:t>디지털      </a:t>
             </a:r>
             <a:endParaRPr lang="en-US" altLang="ko-KR" dirty="0" smtClean="0">
               <a:solidFill>
@@ -14510,50 +14630,20 @@
           </a:p>
           <a:p>
             <a:r>
-              <a:rPr lang="en-US" altLang="ko-KR" dirty="0">
+              <a:rPr lang="en-US" altLang="ko-KR" dirty="0" smtClean="0">
                 <a:solidFill>
                   <a:schemeClr val="tx1"/>
                 </a:solidFill>
               </a:rPr>
-              <a:t>CANDY </a:t>
-            </a:r>
-            <a:r>
-              <a:rPr lang="en-US" altLang="ko-KR" dirty="0" smtClean="0">
+              <a:t>ENERGY		</a:t>
+            </a:r>
+            <a:r>
+              <a:rPr lang="ko-KR" altLang="en-US" dirty="0" smtClean="0">
                 <a:solidFill>
                   <a:schemeClr val="tx1"/>
                 </a:solidFill>
               </a:rPr>
-              <a:t>		</a:t>
-            </a:r>
-            <a:r>
-              <a:rPr lang="ko-KR" altLang="en-US" dirty="0" smtClean="0">
-                <a:solidFill>
-                  <a:schemeClr val="tx1"/>
-                </a:solidFill>
-              </a:rPr>
-              <a:t>사탕         </a:t>
-            </a:r>
-            <a:r>
-              <a:rPr lang="en-US" altLang="ko-KR" b="1" dirty="0" smtClean="0">
-                <a:ln w="18000">
-                  <a:solidFill>
-                    <a:schemeClr val="accent2">
-                      <a:satMod val="140000"/>
-                    </a:schemeClr>
-                  </a:solidFill>
-                  <a:prstDash val="solid"/>
-                  <a:miter lim="800000"/>
-                </a:ln>
-                <a:noFill/>
-                <a:effectLst>
-                  <a:outerShdw blurRad="25500" dist="23000" dir="7020000" algn="tl">
-                    <a:srgbClr val="000000">
-                      <a:alpha val="50000"/>
-                    </a:srgbClr>
-                  </a:outerShdw>
-                </a:effectLst>
-              </a:rPr>
-              <a:t>x</a:t>
+              <a:t>에너지      </a:t>
             </a:r>
             <a:endParaRPr lang="en-US" altLang="ko-KR" dirty="0" smtClean="0">
               <a:solidFill>
@@ -14575,7 +14665,7 @@
                   <a:schemeClr val="tx1"/>
                 </a:solidFill>
               </a:rPr>
-              <a:t>DIGITAL </a:t>
+              <a:t>FARM </a:t>
             </a:r>
             <a:r>
               <a:rPr lang="en-US" altLang="ko-KR" dirty="0" smtClean="0">
@@ -14591,141 +14681,7 @@
                   <a:schemeClr val="tx1"/>
                 </a:solidFill>
               </a:rPr>
-              <a:t>디지털      </a:t>
-            </a:r>
-            <a:r>
-              <a:rPr lang="ko-KR" altLang="en-US" b="1" dirty="0" err="1" smtClean="0">
-                <a:ln w="18000">
-                  <a:solidFill>
-                    <a:schemeClr val="accent2">
-                      <a:satMod val="140000"/>
-                    </a:schemeClr>
-                  </a:solidFill>
-                  <a:prstDash val="solid"/>
-                  <a:miter lim="800000"/>
-                </a:ln>
-                <a:noFill/>
-                <a:effectLst>
-                  <a:outerShdw blurRad="25500" dist="23000" dir="7020000" algn="tl">
-                    <a:srgbClr val="000000">
-                      <a:alpha val="50000"/>
-                    </a:srgbClr>
-                  </a:outerShdw>
-                </a:effectLst>
-              </a:rPr>
-              <a:t>ㅇ</a:t>
-            </a:r>
-            <a:endParaRPr lang="en-US" altLang="ko-KR" dirty="0" smtClean="0">
-              <a:solidFill>
-                <a:schemeClr val="tx1"/>
-              </a:solidFill>
-            </a:endParaRPr>
-          </a:p>
-          <a:p>
-            <a:endParaRPr lang="en-US" altLang="ko-KR" dirty="0">
-              <a:solidFill>
-                <a:schemeClr val="tx1"/>
-              </a:solidFill>
-            </a:endParaRPr>
-          </a:p>
-          <a:p>
-            <a:r>
-              <a:rPr lang="en-US" altLang="ko-KR" dirty="0" smtClean="0">
-                <a:solidFill>
-                  <a:schemeClr val="tx1"/>
-                </a:solidFill>
-              </a:rPr>
-              <a:t>ENERGY		</a:t>
-            </a:r>
-            <a:r>
-              <a:rPr lang="ko-KR" altLang="en-US" dirty="0" smtClean="0">
-                <a:solidFill>
-                  <a:schemeClr val="tx1"/>
-                </a:solidFill>
-              </a:rPr>
-              <a:t>에너지      </a:t>
-            </a:r>
-            <a:r>
-              <a:rPr lang="ko-KR" altLang="en-US" b="1" dirty="0" err="1" smtClean="0">
-                <a:ln w="18000">
-                  <a:solidFill>
-                    <a:schemeClr val="accent2">
-                      <a:satMod val="140000"/>
-                    </a:schemeClr>
-                  </a:solidFill>
-                  <a:prstDash val="solid"/>
-                  <a:miter lim="800000"/>
-                </a:ln>
-                <a:noFill/>
-                <a:effectLst>
-                  <a:outerShdw blurRad="25500" dist="23000" dir="7020000" algn="tl">
-                    <a:srgbClr val="000000">
-                      <a:alpha val="50000"/>
-                    </a:srgbClr>
-                  </a:outerShdw>
-                </a:effectLst>
-              </a:rPr>
-              <a:t>ㅇ</a:t>
-            </a:r>
-            <a:endParaRPr lang="en-US" altLang="ko-KR" dirty="0" smtClean="0">
-              <a:solidFill>
-                <a:schemeClr val="tx1"/>
-              </a:solidFill>
-            </a:endParaRPr>
-          </a:p>
-          <a:p>
-            <a:endParaRPr lang="en-US" altLang="ko-KR" dirty="0">
-              <a:solidFill>
-                <a:schemeClr val="tx1"/>
-              </a:solidFill>
-            </a:endParaRPr>
-          </a:p>
-          <a:p>
-            <a:r>
-              <a:rPr lang="en-US" altLang="ko-KR" dirty="0">
-                <a:solidFill>
-                  <a:schemeClr val="tx1"/>
-                </a:solidFill>
-              </a:rPr>
-              <a:t>FARM </a:t>
-            </a:r>
-            <a:r>
-              <a:rPr lang="en-US" altLang="ko-KR" dirty="0" smtClean="0">
-                <a:solidFill>
-                  <a:schemeClr val="tx1"/>
-                </a:solidFill>
-              </a:rPr>
-              <a:t>		</a:t>
-            </a:r>
-            <a:r>
-              <a:rPr lang="ko-KR" altLang="en-US" dirty="0" smtClean="0">
-                <a:solidFill>
-                  <a:schemeClr val="tx1"/>
-                </a:solidFill>
-              </a:rPr>
               <a:t>농장         </a:t>
-            </a:r>
-            <a:r>
-              <a:rPr lang="en-US" altLang="ko-KR" b="1" dirty="0" smtClean="0">
-                <a:ln w="18000">
-                  <a:solidFill>
-                    <a:schemeClr val="accent2">
-                      <a:satMod val="140000"/>
-                    </a:schemeClr>
-                  </a:solidFill>
-                  <a:prstDash val="solid"/>
-                  <a:miter lim="800000"/>
-                </a:ln>
-                <a:noFill/>
-                <a:effectLst>
-                  <a:outerShdw blurRad="25500" dist="23000" dir="7020000" algn="tl">
-                    <a:srgbClr val="000000">
-                      <a:alpha val="50000"/>
-                    </a:srgbClr>
-                  </a:outerShdw>
-                </a:effectLst>
-              </a:rPr>
-              <a:t>x</a:t>
             </a:r>
             <a:endParaRPr lang="en-US" altLang="ko-KR" dirty="0" smtClean="0">
               <a:solidFill>
@@ -14800,28 +14756,6 @@
                 </a:effectLst>
               </a:rPr>
               <a:t>        </a:t>
-            </a:r>
-            <a:r>
-              <a:rPr lang="ko-KR" altLang="en-US" b="1" dirty="0" err="1" smtClean="0">
-                <a:ln w="18000">
-                  <a:solidFill>
-                    <a:schemeClr val="accent2">
-                      <a:satMod val="140000"/>
-                    </a:schemeClr>
-                  </a:solidFill>
-                  <a:prstDash val="solid"/>
-                  <a:miter lim="800000"/>
-                </a:ln>
-                <a:noFill/>
-                <a:effectLst>
-                  <a:outerShdw blurRad="25500" dist="23000" dir="7020000" algn="tl">
-                    <a:srgbClr val="000000">
-                      <a:alpha val="50000"/>
-                    </a:srgbClr>
-                  </a:outerShdw>
-                </a:effectLst>
-              </a:rPr>
-              <a:t>ㅇ</a:t>
             </a:r>
             <a:endParaRPr lang="ko" altLang="en-US" dirty="0" smtClean="0">
               <a:solidFill>
@@ -15346,6 +15280,342 @@
             <a:r>
               <a:rPr lang="ko-KR" altLang="en-US" dirty="0" smtClean="0"/>
               <a:t>시험 다 본 뒤에 나옴</a:t>
+            </a:r>
+            <a:endParaRPr lang="ko-KR" altLang="en-US" dirty="0"/>
+          </a:p>
+        </p:txBody>
+      </p:sp>
+      <p:sp>
+        <p:nvSpPr>
+          <p:cNvPr id="3" name="TextBox 2"/>
+          <p:cNvSpPr txBox="1"/>
+          <p:nvPr/>
+        </p:nvSpPr>
+        <p:spPr>
+          <a:xfrm>
+            <a:off x="6948264" y="2135231"/>
+            <a:ext cx="415498" cy="369332"/>
+          </a:xfrm>
+          <a:prstGeom prst="rect">
+            <a:avLst/>
+          </a:prstGeom>
+          <a:noFill/>
+        </p:spPr>
+        <p:txBody>
+          <a:bodyPr wrap="none" rtlCol="0">
+            <a:spAutoFit/>
+          </a:bodyPr>
+          <a:lstStyle/>
+          <a:p>
+            <a:r>
+              <a:rPr lang="ko-KR" altLang="en-US" b="1" dirty="0" err="1">
+                <a:ln w="18000">
+                  <a:solidFill>
+                    <a:schemeClr val="accent2">
+                      <a:satMod val="140000"/>
+                    </a:schemeClr>
+                  </a:solidFill>
+                  <a:prstDash val="solid"/>
+                  <a:miter lim="800000"/>
+                </a:ln>
+                <a:noFill/>
+                <a:effectLst>
+                  <a:outerShdw blurRad="25500" dist="23000" dir="7020000" algn="tl">
+                    <a:srgbClr val="000000">
+                      <a:alpha val="50000"/>
+                    </a:srgbClr>
+                  </a:outerShdw>
+                </a:effectLst>
+              </a:rPr>
+              <a:t>ㅇ</a:t>
+            </a:r>
+            <a:endParaRPr lang="ko-KR" altLang="en-US" dirty="0"/>
+          </a:p>
+        </p:txBody>
+      </p:sp>
+      <p:sp>
+        <p:nvSpPr>
+          <p:cNvPr id="24" name="TextBox 23"/>
+          <p:cNvSpPr txBox="1"/>
+          <p:nvPr/>
+        </p:nvSpPr>
+        <p:spPr>
+          <a:xfrm>
+            <a:off x="7001163" y="2627620"/>
+            <a:ext cx="309700" cy="369332"/>
+          </a:xfrm>
+          <a:prstGeom prst="rect">
+            <a:avLst/>
+          </a:prstGeom>
+          <a:noFill/>
+        </p:spPr>
+        <p:txBody>
+          <a:bodyPr wrap="none" rtlCol="0">
+            <a:spAutoFit/>
+          </a:bodyPr>
+          <a:lstStyle/>
+          <a:p>
+            <a:r>
+              <a:rPr lang="en-US" altLang="ko-KR" b="1" dirty="0">
+                <a:ln w="18000">
+                  <a:solidFill>
+                    <a:schemeClr val="accent2">
+                      <a:satMod val="140000"/>
+                    </a:schemeClr>
+                  </a:solidFill>
+                  <a:prstDash val="solid"/>
+                  <a:miter lim="800000"/>
+                </a:ln>
+                <a:noFill/>
+                <a:effectLst>
+                  <a:outerShdw blurRad="25500" dist="23000" dir="7020000" algn="tl">
+                    <a:srgbClr val="000000">
+                      <a:alpha val="50000"/>
+                    </a:srgbClr>
+                  </a:outerShdw>
+                </a:effectLst>
+              </a:rPr>
+              <a:t>x</a:t>
+            </a:r>
+            <a:endParaRPr lang="ko-KR" altLang="en-US" dirty="0"/>
+          </a:p>
+        </p:txBody>
+      </p:sp>
+      <p:sp>
+        <p:nvSpPr>
+          <p:cNvPr id="25" name="TextBox 24"/>
+          <p:cNvSpPr txBox="1"/>
+          <p:nvPr/>
+        </p:nvSpPr>
+        <p:spPr>
+          <a:xfrm>
+            <a:off x="7001163" y="3244334"/>
+            <a:ext cx="309700" cy="369332"/>
+          </a:xfrm>
+          <a:prstGeom prst="rect">
+            <a:avLst/>
+          </a:prstGeom>
+          <a:noFill/>
+        </p:spPr>
+        <p:txBody>
+          <a:bodyPr wrap="none" rtlCol="0">
+            <a:spAutoFit/>
+          </a:bodyPr>
+          <a:lstStyle/>
+          <a:p>
+            <a:r>
+              <a:rPr lang="en-US" altLang="ko-KR" b="1" dirty="0">
+                <a:ln w="18000">
+                  <a:solidFill>
+                    <a:schemeClr val="accent2">
+                      <a:satMod val="140000"/>
+                    </a:schemeClr>
+                  </a:solidFill>
+                  <a:prstDash val="solid"/>
+                  <a:miter lim="800000"/>
+                </a:ln>
+                <a:noFill/>
+                <a:effectLst>
+                  <a:outerShdw blurRad="25500" dist="23000" dir="7020000" algn="tl">
+                    <a:srgbClr val="000000">
+                      <a:alpha val="50000"/>
+                    </a:srgbClr>
+                  </a:outerShdw>
+                </a:effectLst>
+              </a:rPr>
+              <a:t>x</a:t>
+            </a:r>
+            <a:endParaRPr lang="ko-KR" altLang="en-US" dirty="0"/>
+          </a:p>
+        </p:txBody>
+      </p:sp>
+      <p:sp>
+        <p:nvSpPr>
+          <p:cNvPr id="26" name="TextBox 25"/>
+          <p:cNvSpPr txBox="1"/>
+          <p:nvPr/>
+        </p:nvSpPr>
+        <p:spPr>
+          <a:xfrm>
+            <a:off x="6948264" y="3778551"/>
+            <a:ext cx="415498" cy="369332"/>
+          </a:xfrm>
+          <a:prstGeom prst="rect">
+            <a:avLst/>
+          </a:prstGeom>
+          <a:noFill/>
+        </p:spPr>
+        <p:txBody>
+          <a:bodyPr wrap="none" rtlCol="0">
+            <a:spAutoFit/>
+          </a:bodyPr>
+          <a:lstStyle/>
+          <a:p>
+            <a:r>
+              <a:rPr lang="ko-KR" altLang="en-US" b="1" dirty="0" err="1">
+                <a:ln w="18000">
+                  <a:solidFill>
+                    <a:schemeClr val="accent2">
+                      <a:satMod val="140000"/>
+                    </a:schemeClr>
+                  </a:solidFill>
+                  <a:prstDash val="solid"/>
+                  <a:miter lim="800000"/>
+                </a:ln>
+                <a:noFill/>
+                <a:effectLst>
+                  <a:outerShdw blurRad="25500" dist="23000" dir="7020000" algn="tl">
+                    <a:srgbClr val="000000">
+                      <a:alpha val="50000"/>
+                    </a:srgbClr>
+                  </a:outerShdw>
+                </a:effectLst>
+              </a:rPr>
+              <a:t>ㅇ</a:t>
+            </a:r>
+            <a:endParaRPr lang="ko-KR" altLang="en-US" dirty="0"/>
+          </a:p>
+        </p:txBody>
+      </p:sp>
+      <p:sp>
+        <p:nvSpPr>
+          <p:cNvPr id="27" name="TextBox 26"/>
+          <p:cNvSpPr txBox="1"/>
+          <p:nvPr/>
+        </p:nvSpPr>
+        <p:spPr>
+          <a:xfrm>
+            <a:off x="6948264" y="4857479"/>
+            <a:ext cx="415498" cy="369332"/>
+          </a:xfrm>
+          <a:prstGeom prst="rect">
+            <a:avLst/>
+          </a:prstGeom>
+          <a:noFill/>
+        </p:spPr>
+        <p:txBody>
+          <a:bodyPr wrap="none" rtlCol="0">
+            <a:spAutoFit/>
+          </a:bodyPr>
+          <a:lstStyle/>
+          <a:p>
+            <a:r>
+              <a:rPr lang="ko-KR" altLang="en-US" b="1" dirty="0" err="1">
+                <a:ln w="18000">
+                  <a:solidFill>
+                    <a:schemeClr val="accent2">
+                      <a:satMod val="140000"/>
+                    </a:schemeClr>
+                  </a:solidFill>
+                  <a:prstDash val="solid"/>
+                  <a:miter lim="800000"/>
+                </a:ln>
+                <a:noFill/>
+                <a:effectLst>
+                  <a:outerShdw blurRad="25500" dist="23000" dir="7020000" algn="tl">
+                    <a:srgbClr val="000000">
+                      <a:alpha val="50000"/>
+                    </a:srgbClr>
+                  </a:outerShdw>
+                </a:effectLst>
+              </a:rPr>
+              <a:t>ㅇ</a:t>
+            </a:r>
+            <a:endParaRPr lang="ko-KR" altLang="en-US" dirty="0"/>
+          </a:p>
+        </p:txBody>
+      </p:sp>
+      <p:sp>
+        <p:nvSpPr>
+          <p:cNvPr id="28" name="TextBox 27"/>
+          <p:cNvSpPr txBox="1"/>
+          <p:nvPr/>
+        </p:nvSpPr>
+        <p:spPr>
+          <a:xfrm>
+            <a:off x="6948264" y="5373216"/>
+            <a:ext cx="415498" cy="369332"/>
+          </a:xfrm>
+          <a:prstGeom prst="rect">
+            <a:avLst/>
+          </a:prstGeom>
+          <a:noFill/>
+        </p:spPr>
+        <p:txBody>
+          <a:bodyPr wrap="none" rtlCol="0">
+            <a:spAutoFit/>
+          </a:bodyPr>
+          <a:lstStyle/>
+          <a:p>
+            <a:r>
+              <a:rPr lang="ko-KR" altLang="en-US" b="1" dirty="0" err="1">
+                <a:ln w="18000">
+                  <a:solidFill>
+                    <a:schemeClr val="accent2">
+                      <a:satMod val="140000"/>
+                    </a:schemeClr>
+                  </a:solidFill>
+                  <a:prstDash val="solid"/>
+                  <a:miter lim="800000"/>
+                </a:ln>
+                <a:noFill/>
+                <a:effectLst>
+                  <a:outerShdw blurRad="25500" dist="23000" dir="7020000" algn="tl">
+                    <a:srgbClr val="000000">
+                      <a:alpha val="50000"/>
+                    </a:srgbClr>
+                  </a:outerShdw>
+                </a:effectLst>
+              </a:rPr>
+              <a:t>ㅇ</a:t>
+            </a:r>
+            <a:endParaRPr lang="ko-KR" altLang="en-US" dirty="0"/>
+          </a:p>
+        </p:txBody>
+      </p:sp>
+      <p:sp>
+        <p:nvSpPr>
+          <p:cNvPr id="29" name="TextBox 28"/>
+          <p:cNvSpPr txBox="1"/>
+          <p:nvPr/>
+        </p:nvSpPr>
+        <p:spPr>
+          <a:xfrm>
+            <a:off x="7001163" y="4316564"/>
+            <a:ext cx="309700" cy="369332"/>
+          </a:xfrm>
+          <a:prstGeom prst="rect">
+            <a:avLst/>
+          </a:prstGeom>
+          <a:noFill/>
+        </p:spPr>
+        <p:txBody>
+          <a:bodyPr wrap="none" rtlCol="0">
+            <a:spAutoFit/>
+          </a:bodyPr>
+          <a:lstStyle/>
+          <a:p>
+            <a:r>
+              <a:rPr lang="en-US" altLang="ko-KR" b="1" dirty="0">
+                <a:ln w="18000">
+                  <a:solidFill>
+                    <a:schemeClr val="accent2">
+                      <a:satMod val="140000"/>
+                    </a:schemeClr>
+                  </a:solidFill>
+                  <a:prstDash val="solid"/>
+                  <a:miter lim="800000"/>
+                </a:ln>
+                <a:noFill/>
+                <a:effectLst>
+                  <a:outerShdw blurRad="25500" dist="23000" dir="7020000" algn="tl">
+                    <a:srgbClr val="000000">
+                      <a:alpha val="50000"/>
+                    </a:srgbClr>
+                  </a:outerShdw>
+                </a:effectLst>
+              </a:rPr>
+              <a:t>x</a:t>
             </a:r>
             <a:endParaRPr lang="ko-KR" altLang="en-US" dirty="0"/>
           </a:p>

--- a/Word World.pptx
+++ b/Word World.pptx
@@ -12,10 +12,9 @@
     <p:sldId id="265" r:id="rId6"/>
     <p:sldId id="264" r:id="rId7"/>
     <p:sldId id="262" r:id="rId8"/>
-    <p:sldId id="267" r:id="rId9"/>
-    <p:sldId id="263" r:id="rId10"/>
-    <p:sldId id="259" r:id="rId11"/>
-    <p:sldId id="266" r:id="rId12"/>
+    <p:sldId id="263" r:id="rId9"/>
+    <p:sldId id="259" r:id="rId10"/>
+    <p:sldId id="266" r:id="rId11"/>
   </p:sldIdLst>
   <p:sldSz cx="9144000" cy="6858000" type="screen4x3"/>
   <p:notesSz cx="6858000" cy="9144000"/>
@@ -4231,7 +4230,7 @@
           <a:p>
             <a:fld id="{B42574A4-F49F-424D-969A-62A5C25EF788}" type="datetimeFigureOut">
               <a:rPr lang="ko-KR" altLang="en-US" smtClean="0"/>
-              <a:t>2013-07-31</a:t>
+              <a:t>2013-09-06</a:t>
             </a:fld>
             <a:endParaRPr lang="ko-KR" altLang="en-US"/>
           </a:p>
@@ -4401,7 +4400,7 @@
           <a:p>
             <a:fld id="{B42574A4-F49F-424D-969A-62A5C25EF788}" type="datetimeFigureOut">
               <a:rPr lang="ko-KR" altLang="en-US" smtClean="0"/>
-              <a:t>2013-07-31</a:t>
+              <a:t>2013-09-06</a:t>
             </a:fld>
             <a:endParaRPr lang="ko-KR" altLang="en-US"/>
           </a:p>
@@ -4581,7 +4580,7 @@
           <a:p>
             <a:fld id="{B42574A4-F49F-424D-969A-62A5C25EF788}" type="datetimeFigureOut">
               <a:rPr lang="ko-KR" altLang="en-US" smtClean="0"/>
-              <a:t>2013-07-31</a:t>
+              <a:t>2013-09-06</a:t>
             </a:fld>
             <a:endParaRPr lang="ko-KR" altLang="en-US"/>
           </a:p>
@@ -4751,7 +4750,7 @@
           <a:p>
             <a:fld id="{B42574A4-F49F-424D-969A-62A5C25EF788}" type="datetimeFigureOut">
               <a:rPr lang="ko-KR" altLang="en-US" smtClean="0"/>
-              <a:t>2013-07-31</a:t>
+              <a:t>2013-09-06</a:t>
             </a:fld>
             <a:endParaRPr lang="ko-KR" altLang="en-US"/>
           </a:p>
@@ -4997,7 +4996,7 @@
           <a:p>
             <a:fld id="{B42574A4-F49F-424D-969A-62A5C25EF788}" type="datetimeFigureOut">
               <a:rPr lang="ko-KR" altLang="en-US" smtClean="0"/>
-              <a:t>2013-07-31</a:t>
+              <a:t>2013-09-06</a:t>
             </a:fld>
             <a:endParaRPr lang="ko-KR" altLang="en-US"/>
           </a:p>
@@ -5285,7 +5284,7 @@
           <a:p>
             <a:fld id="{B42574A4-F49F-424D-969A-62A5C25EF788}" type="datetimeFigureOut">
               <a:rPr lang="ko-KR" altLang="en-US" smtClean="0"/>
-              <a:t>2013-07-31</a:t>
+              <a:t>2013-09-06</a:t>
             </a:fld>
             <a:endParaRPr lang="ko-KR" altLang="en-US"/>
           </a:p>
@@ -5707,7 +5706,7 @@
           <a:p>
             <a:fld id="{B42574A4-F49F-424D-969A-62A5C25EF788}" type="datetimeFigureOut">
               <a:rPr lang="ko-KR" altLang="en-US" smtClean="0"/>
-              <a:t>2013-07-31</a:t>
+              <a:t>2013-09-06</a:t>
             </a:fld>
             <a:endParaRPr lang="ko-KR" altLang="en-US"/>
           </a:p>
@@ -5825,7 +5824,7 @@
           <a:p>
             <a:fld id="{B42574A4-F49F-424D-969A-62A5C25EF788}" type="datetimeFigureOut">
               <a:rPr lang="ko-KR" altLang="en-US" smtClean="0"/>
-              <a:t>2013-07-31</a:t>
+              <a:t>2013-09-06</a:t>
             </a:fld>
             <a:endParaRPr lang="ko-KR" altLang="en-US"/>
           </a:p>
@@ -5920,7 +5919,7 @@
           <a:p>
             <a:fld id="{B42574A4-F49F-424D-969A-62A5C25EF788}" type="datetimeFigureOut">
               <a:rPr lang="ko-KR" altLang="en-US" smtClean="0"/>
-              <a:t>2013-07-31</a:t>
+              <a:t>2013-09-06</a:t>
             </a:fld>
             <a:endParaRPr lang="ko-KR" altLang="en-US"/>
           </a:p>
@@ -6197,7 +6196,7 @@
           <a:p>
             <a:fld id="{B42574A4-F49F-424D-969A-62A5C25EF788}" type="datetimeFigureOut">
               <a:rPr lang="ko-KR" altLang="en-US" smtClean="0"/>
-              <a:t>2013-07-31</a:t>
+              <a:t>2013-09-06</a:t>
             </a:fld>
             <a:endParaRPr lang="ko-KR" altLang="en-US"/>
           </a:p>
@@ -6450,7 +6449,7 @@
           <a:p>
             <a:fld id="{B42574A4-F49F-424D-969A-62A5C25EF788}" type="datetimeFigureOut">
               <a:rPr lang="ko-KR" altLang="en-US" smtClean="0"/>
-              <a:t>2013-07-31</a:t>
+              <a:t>2013-09-06</a:t>
             </a:fld>
             <a:endParaRPr lang="ko-KR" altLang="en-US"/>
           </a:p>
@@ -6663,7 +6662,7 @@
           <a:p>
             <a:fld id="{B42574A4-F49F-424D-969A-62A5C25EF788}" type="datetimeFigureOut">
               <a:rPr lang="ko-KR" altLang="en-US" smtClean="0"/>
-              <a:t>2013-07-31</a:t>
+              <a:t>2013-09-06</a:t>
             </a:fld>
             <a:endParaRPr lang="ko-KR" altLang="en-US"/>
           </a:p>
@@ -7137,1177 +7136,6 @@
       </p:grpSpPr>
       <p:sp>
         <p:nvSpPr>
-          <p:cNvPr id="4" name="직사각형 3"/>
-          <p:cNvSpPr/>
-          <p:nvPr/>
-        </p:nvSpPr>
-        <p:spPr>
-          <a:xfrm>
-            <a:off x="3635896" y="620688"/>
-            <a:ext cx="4248472" cy="5616624"/>
-          </a:xfrm>
-          <a:prstGeom prst="rect">
-            <a:avLst/>
-          </a:prstGeom>
-          <a:solidFill>
-            <a:schemeClr val="bg1"/>
-          </a:solidFill>
-        </p:spPr>
-        <p:style>
-          <a:lnRef idx="2">
-            <a:schemeClr val="accent1">
-              <a:shade val="50000"/>
-            </a:schemeClr>
-          </a:lnRef>
-          <a:fillRef idx="1">
-            <a:schemeClr val="accent1"/>
-          </a:fillRef>
-          <a:effectRef idx="0">
-            <a:schemeClr val="accent1"/>
-          </a:effectRef>
-          <a:fontRef idx="minor">
-            <a:schemeClr val="lt1"/>
-          </a:fontRef>
-        </p:style>
-        <p:txBody>
-          <a:bodyPr rtlCol="0" anchor="ctr"/>
-          <a:lstStyle/>
-          <a:p>
-            <a:pPr algn="ctr"/>
-            <a:endParaRPr lang="ko-KR" altLang="en-US"/>
-          </a:p>
-        </p:txBody>
-      </p:sp>
-      <p:grpSp>
-        <p:nvGrpSpPr>
-          <p:cNvPr id="7" name="그룹 6"/>
-          <p:cNvGrpSpPr/>
-          <p:nvPr/>
-        </p:nvGrpSpPr>
-        <p:grpSpPr>
-          <a:xfrm>
-            <a:off x="4210464" y="4086061"/>
-            <a:ext cx="936102" cy="423059"/>
-            <a:chOff x="2172970" y="1596"/>
-            <a:chExt cx="1447350" cy="723675"/>
-          </a:xfrm>
-        </p:grpSpPr>
-        <p:sp>
-          <p:nvSpPr>
-            <p:cNvPr id="8" name="모서리가 둥근 직사각형 7"/>
-            <p:cNvSpPr/>
-            <p:nvPr/>
-          </p:nvSpPr>
-          <p:spPr>
-            <a:xfrm>
-              <a:off x="2172970" y="1596"/>
-              <a:ext cx="1447350" cy="723675"/>
-            </a:xfrm>
-            <a:prstGeom prst="roundRect">
-              <a:avLst>
-                <a:gd name="adj" fmla="val 10000"/>
-              </a:avLst>
-            </a:prstGeom>
-          </p:spPr>
-          <p:style>
-            <a:lnRef idx="2">
-              <a:schemeClr val="lt1">
-                <a:hueOff val="0"/>
-                <a:satOff val="0"/>
-                <a:lumOff val="0"/>
-                <a:alphaOff val="0"/>
-              </a:schemeClr>
-            </a:lnRef>
-            <a:fillRef idx="1">
-              <a:schemeClr val="accent1">
-                <a:hueOff val="0"/>
-                <a:satOff val="0"/>
-                <a:lumOff val="0"/>
-                <a:alphaOff val="0"/>
-              </a:schemeClr>
-            </a:fillRef>
-            <a:effectRef idx="0">
-              <a:schemeClr val="accent1">
-                <a:hueOff val="0"/>
-                <a:satOff val="0"/>
-                <a:lumOff val="0"/>
-                <a:alphaOff val="0"/>
-              </a:schemeClr>
-            </a:effectRef>
-            <a:fontRef idx="minor">
-              <a:schemeClr val="lt1"/>
-            </a:fontRef>
-          </p:style>
-          <p:txBody>
-            <a:bodyPr/>
-            <a:lstStyle/>
-            <a:p>
-              <a:r>
-                <a:rPr lang="ko-KR" altLang="en-US" dirty="0" smtClean="0"/>
-                <a:t>개발</a:t>
-              </a:r>
-              <a:r>
-                <a:rPr lang="ko-KR" altLang="en-US" dirty="0"/>
-                <a:t>자</a:t>
-              </a:r>
-            </a:p>
-          </p:txBody>
-        </p:sp>
-        <p:sp>
-          <p:nvSpPr>
-            <p:cNvPr id="9" name="모서리가 둥근 직사각형 4"/>
-            <p:cNvSpPr/>
-            <p:nvPr/>
-          </p:nvSpPr>
-          <p:spPr>
-            <a:xfrm>
-              <a:off x="2194166" y="22792"/>
-              <a:ext cx="1404958" cy="681283"/>
-            </a:xfrm>
-            <a:prstGeom prst="rect">
-              <a:avLst/>
-            </a:prstGeom>
-          </p:spPr>
-          <p:style>
-            <a:lnRef idx="0">
-              <a:scrgbClr r="0" g="0" b="0"/>
-            </a:lnRef>
-            <a:fillRef idx="0">
-              <a:scrgbClr r="0" g="0" b="0"/>
-            </a:fillRef>
-            <a:effectRef idx="0">
-              <a:scrgbClr r="0" g="0" b="0"/>
-            </a:effectRef>
-            <a:fontRef idx="minor">
-              <a:schemeClr val="lt1"/>
-            </a:fontRef>
-          </p:style>
-          <p:txBody>
-            <a:bodyPr spcFirstLastPara="0" vert="horz" wrap="square" lIns="55245" tIns="36830" rIns="55245" bIns="36830" numCol="1" spcCol="1270" anchor="ctr" anchorCtr="0">
-              <a:noAutofit/>
-            </a:bodyPr>
-            <a:lstStyle/>
-            <a:p>
-              <a:pPr lvl="0" algn="ctr" defTabSz="1289050" latinLnBrk="1">
-                <a:lnSpc>
-                  <a:spcPct val="90000"/>
-                </a:lnSpc>
-                <a:spcBef>
-                  <a:spcPct val="0"/>
-                </a:spcBef>
-                <a:spcAft>
-                  <a:spcPct val="35000"/>
-                </a:spcAft>
-              </a:pPr>
-              <a:endParaRPr lang="ko-KR" altLang="en-US" sz="2900" kern="1200"/>
-            </a:p>
-          </p:txBody>
-        </p:sp>
-      </p:grpSp>
-      <p:sp>
-        <p:nvSpPr>
-          <p:cNvPr id="14" name="모서리가 둥근 직사각형 13"/>
-          <p:cNvSpPr/>
-          <p:nvPr/>
-        </p:nvSpPr>
-        <p:spPr>
-          <a:xfrm>
-            <a:off x="4425467" y="4653136"/>
-            <a:ext cx="2669329" cy="1431171"/>
-          </a:xfrm>
-          <a:prstGeom prst="roundRect">
-            <a:avLst>
-              <a:gd name="adj" fmla="val 10000"/>
-            </a:avLst>
-          </a:prstGeom>
-        </p:spPr>
-        <p:style>
-          <a:lnRef idx="2">
-            <a:schemeClr val="accent1">
-              <a:hueOff val="0"/>
-              <a:satOff val="0"/>
-              <a:lumOff val="0"/>
-              <a:alphaOff val="0"/>
-            </a:schemeClr>
-          </a:lnRef>
-          <a:fillRef idx="1">
-            <a:schemeClr val="lt1">
-              <a:alpha val="90000"/>
-              <a:hueOff val="0"/>
-              <a:satOff val="0"/>
-              <a:lumOff val="0"/>
-              <a:alphaOff val="0"/>
-            </a:schemeClr>
-          </a:fillRef>
-          <a:effectRef idx="0">
-            <a:schemeClr val="lt1">
-              <a:alpha val="90000"/>
-              <a:hueOff val="0"/>
-              <a:satOff val="0"/>
-              <a:lumOff val="0"/>
-              <a:alphaOff val="0"/>
-            </a:schemeClr>
-          </a:effectRef>
-          <a:fontRef idx="minor">
-            <a:schemeClr val="dk1">
-              <a:hueOff val="0"/>
-              <a:satOff val="0"/>
-              <a:lumOff val="0"/>
-              <a:alphaOff val="0"/>
-            </a:schemeClr>
-          </a:fontRef>
-        </p:style>
-        <p:txBody>
-          <a:bodyPr/>
-          <a:lstStyle/>
-          <a:p>
-            <a:endParaRPr lang="ko-KR" altLang="en-US" dirty="0"/>
-          </a:p>
-        </p:txBody>
-      </p:sp>
-      <p:sp>
-        <p:nvSpPr>
-          <p:cNvPr id="15" name="모서리가 둥근 직사각형 14"/>
-          <p:cNvSpPr/>
-          <p:nvPr/>
-        </p:nvSpPr>
-        <p:spPr>
-          <a:xfrm>
-            <a:off x="4425467" y="2501885"/>
-            <a:ext cx="2669329" cy="1431171"/>
-          </a:xfrm>
-          <a:prstGeom prst="roundRect">
-            <a:avLst>
-              <a:gd name="adj" fmla="val 10000"/>
-            </a:avLst>
-          </a:prstGeom>
-        </p:spPr>
-        <p:style>
-          <a:lnRef idx="2">
-            <a:schemeClr val="accent1">
-              <a:hueOff val="0"/>
-              <a:satOff val="0"/>
-              <a:lumOff val="0"/>
-              <a:alphaOff val="0"/>
-            </a:schemeClr>
-          </a:lnRef>
-          <a:fillRef idx="1">
-            <a:schemeClr val="lt1">
-              <a:alpha val="90000"/>
-              <a:hueOff val="0"/>
-              <a:satOff val="0"/>
-              <a:lumOff val="0"/>
-              <a:alphaOff val="0"/>
-            </a:schemeClr>
-          </a:fillRef>
-          <a:effectRef idx="0">
-            <a:schemeClr val="lt1">
-              <a:alpha val="90000"/>
-              <a:hueOff val="0"/>
-              <a:satOff val="0"/>
-              <a:lumOff val="0"/>
-              <a:alphaOff val="0"/>
-            </a:schemeClr>
-          </a:effectRef>
-          <a:fontRef idx="minor">
-            <a:schemeClr val="dk1">
-              <a:hueOff val="0"/>
-              <a:satOff val="0"/>
-              <a:lumOff val="0"/>
-              <a:alphaOff val="0"/>
-            </a:schemeClr>
-          </a:fontRef>
-        </p:style>
-        <p:txBody>
-          <a:bodyPr/>
-          <a:lstStyle/>
-          <a:p>
-            <a:endParaRPr lang="ko-KR" altLang="en-US" dirty="0"/>
-          </a:p>
-        </p:txBody>
-      </p:sp>
-      <p:pic>
-        <p:nvPicPr>
-          <p:cNvPr id="1026" name="Picture 2" descr="C:\Users\hyoo\Desktop\마이드림카-12.png"/>
-          <p:cNvPicPr>
-            <a:picLocks noChangeAspect="1" noChangeArrowheads="1"/>
-          </p:cNvPicPr>
-          <p:nvPr/>
-        </p:nvPicPr>
-        <p:blipFill>
-          <a:blip r:embed="rId2">
-            <a:extLst>
-              <a:ext uri="{28A0092B-C50C-407E-A947-70E740481C1C}">
-                <a14:useLocalDpi xmlns:a14="http://schemas.microsoft.com/office/drawing/2010/main" val="0"/>
-              </a:ext>
-            </a:extLst>
-          </a:blip>
-          <a:srcRect/>
-          <a:stretch>
-            <a:fillRect/>
-          </a:stretch>
-        </p:blipFill>
-        <p:spPr bwMode="auto">
-          <a:xfrm>
-            <a:off x="4820806" y="2852936"/>
-            <a:ext cx="685800" cy="685800"/>
-          </a:xfrm>
-          <a:prstGeom prst="rect">
-            <a:avLst/>
-          </a:prstGeom>
-          <a:noFill/>
-          <a:extLst>
-            <a:ext uri="{909E8E84-426E-40DD-AFC4-6F175D3DCCD1}">
-              <a14:hiddenFill xmlns:a14="http://schemas.microsoft.com/office/drawing/2010/main">
-                <a:solidFill>
-                  <a:srgbClr val="FFFFFF"/>
-                </a:solidFill>
-              </a14:hiddenFill>
-            </a:ext>
-          </a:extLst>
-        </p:spPr>
-      </p:pic>
-      <p:pic>
-        <p:nvPicPr>
-          <p:cNvPr id="1027" name="Picture 3" descr="C:\Users\hyoo\Desktop\마이드림카-07.png"/>
-          <p:cNvPicPr>
-            <a:picLocks noChangeAspect="1" noChangeArrowheads="1"/>
-          </p:cNvPicPr>
-          <p:nvPr/>
-        </p:nvPicPr>
-        <p:blipFill>
-          <a:blip r:embed="rId3">
-            <a:extLst>
-              <a:ext uri="{28A0092B-C50C-407E-A947-70E740481C1C}">
-                <a14:useLocalDpi xmlns:a14="http://schemas.microsoft.com/office/drawing/2010/main" val="0"/>
-              </a:ext>
-            </a:extLst>
-          </a:blip>
-          <a:srcRect/>
-          <a:stretch>
-            <a:fillRect/>
-          </a:stretch>
-        </p:blipFill>
-        <p:spPr bwMode="auto">
-          <a:xfrm>
-            <a:off x="6010662" y="2852936"/>
-            <a:ext cx="685800" cy="685800"/>
-          </a:xfrm>
-          <a:prstGeom prst="rect">
-            <a:avLst/>
-          </a:prstGeom>
-          <a:noFill/>
-          <a:extLst>
-            <a:ext uri="{909E8E84-426E-40DD-AFC4-6F175D3DCCD1}">
-              <a14:hiddenFill xmlns:a14="http://schemas.microsoft.com/office/drawing/2010/main">
-                <a:solidFill>
-                  <a:srgbClr val="FFFFFF"/>
-                </a:solidFill>
-              </a14:hiddenFill>
-            </a:ext>
-          </a:extLst>
-        </p:spPr>
-      </p:pic>
-      <p:sp>
-        <p:nvSpPr>
-          <p:cNvPr id="21" name="직사각형 20"/>
-          <p:cNvSpPr/>
-          <p:nvPr/>
-        </p:nvSpPr>
-        <p:spPr>
-          <a:xfrm>
-            <a:off x="4608004" y="1258178"/>
-            <a:ext cx="2304256" cy="576064"/>
-          </a:xfrm>
-          <a:prstGeom prst="rect">
-            <a:avLst/>
-          </a:prstGeom>
-          <a:solidFill>
-            <a:schemeClr val="bg1"/>
-          </a:solidFill>
-        </p:spPr>
-        <p:style>
-          <a:lnRef idx="2">
-            <a:schemeClr val="accent1">
-              <a:shade val="50000"/>
-            </a:schemeClr>
-          </a:lnRef>
-          <a:fillRef idx="1">
-            <a:schemeClr val="accent1"/>
-          </a:fillRef>
-          <a:effectRef idx="0">
-            <a:schemeClr val="accent1"/>
-          </a:effectRef>
-          <a:fontRef idx="minor">
-            <a:schemeClr val="lt1"/>
-          </a:fontRef>
-        </p:style>
-        <p:txBody>
-          <a:bodyPr rtlCol="0" anchor="ctr"/>
-          <a:lstStyle/>
-          <a:p>
-            <a:pPr algn="ctr"/>
-            <a:r>
-              <a:rPr lang="ko-KR" altLang="en-US" dirty="0" smtClean="0">
-                <a:solidFill>
-                  <a:schemeClr val="tx1"/>
-                </a:solidFill>
-              </a:rPr>
-              <a:t>설정</a:t>
-            </a:r>
-            <a:endParaRPr lang="ko-KR" altLang="en-US" dirty="0">
-              <a:solidFill>
-                <a:schemeClr val="tx1"/>
-              </a:solidFill>
-            </a:endParaRPr>
-          </a:p>
-        </p:txBody>
-      </p:sp>
-      <p:grpSp>
-        <p:nvGrpSpPr>
-          <p:cNvPr id="22" name="그룹 21"/>
-          <p:cNvGrpSpPr/>
-          <p:nvPr/>
-        </p:nvGrpSpPr>
-        <p:grpSpPr>
-          <a:xfrm>
-            <a:off x="4210462" y="1988840"/>
-            <a:ext cx="936102" cy="423059"/>
-            <a:chOff x="2172970" y="1596"/>
-            <a:chExt cx="1447350" cy="723675"/>
-          </a:xfrm>
-        </p:grpSpPr>
-        <p:sp>
-          <p:nvSpPr>
-            <p:cNvPr id="23" name="모서리가 둥근 직사각형 22"/>
-            <p:cNvSpPr/>
-            <p:nvPr/>
-          </p:nvSpPr>
-          <p:spPr>
-            <a:xfrm>
-              <a:off x="2172970" y="1596"/>
-              <a:ext cx="1447350" cy="723675"/>
-            </a:xfrm>
-            <a:prstGeom prst="roundRect">
-              <a:avLst>
-                <a:gd name="adj" fmla="val 10000"/>
-              </a:avLst>
-            </a:prstGeom>
-          </p:spPr>
-          <p:style>
-            <a:lnRef idx="2">
-              <a:schemeClr val="lt1">
-                <a:hueOff val="0"/>
-                <a:satOff val="0"/>
-                <a:lumOff val="0"/>
-                <a:alphaOff val="0"/>
-              </a:schemeClr>
-            </a:lnRef>
-            <a:fillRef idx="1">
-              <a:schemeClr val="accent1">
-                <a:hueOff val="0"/>
-                <a:satOff val="0"/>
-                <a:lumOff val="0"/>
-                <a:alphaOff val="0"/>
-              </a:schemeClr>
-            </a:fillRef>
-            <a:effectRef idx="0">
-              <a:schemeClr val="accent1">
-                <a:hueOff val="0"/>
-                <a:satOff val="0"/>
-                <a:lumOff val="0"/>
-                <a:alphaOff val="0"/>
-              </a:schemeClr>
-            </a:effectRef>
-            <a:fontRef idx="minor">
-              <a:schemeClr val="lt1"/>
-            </a:fontRef>
-          </p:style>
-          <p:txBody>
-            <a:bodyPr/>
-            <a:lstStyle/>
-            <a:p>
-              <a:pPr algn="ctr"/>
-              <a:r>
-                <a:rPr lang="ko-KR" altLang="en-US" dirty="0" smtClean="0"/>
-                <a:t>설</a:t>
-              </a:r>
-              <a:r>
-                <a:rPr lang="ko-KR" altLang="en-US" dirty="0"/>
-                <a:t>정</a:t>
-              </a:r>
-            </a:p>
-          </p:txBody>
-        </p:sp>
-        <p:sp>
-          <p:nvSpPr>
-            <p:cNvPr id="24" name="모서리가 둥근 직사각형 4"/>
-            <p:cNvSpPr/>
-            <p:nvPr/>
-          </p:nvSpPr>
-          <p:spPr>
-            <a:xfrm>
-              <a:off x="2194166" y="22792"/>
-              <a:ext cx="1404958" cy="681283"/>
-            </a:xfrm>
-            <a:prstGeom prst="rect">
-              <a:avLst/>
-            </a:prstGeom>
-          </p:spPr>
-          <p:style>
-            <a:lnRef idx="0">
-              <a:scrgbClr r="0" g="0" b="0"/>
-            </a:lnRef>
-            <a:fillRef idx="0">
-              <a:scrgbClr r="0" g="0" b="0"/>
-            </a:fillRef>
-            <a:effectRef idx="0">
-              <a:scrgbClr r="0" g="0" b="0"/>
-            </a:effectRef>
-            <a:fontRef idx="minor">
-              <a:schemeClr val="lt1"/>
-            </a:fontRef>
-          </p:style>
-          <p:txBody>
-            <a:bodyPr spcFirstLastPara="0" vert="horz" wrap="square" lIns="55245" tIns="36830" rIns="55245" bIns="36830" numCol="1" spcCol="1270" anchor="ctr" anchorCtr="0">
-              <a:noAutofit/>
-            </a:bodyPr>
-            <a:lstStyle/>
-            <a:p>
-              <a:pPr lvl="0" algn="ctr" defTabSz="1289050" latinLnBrk="1">
-                <a:lnSpc>
-                  <a:spcPct val="90000"/>
-                </a:lnSpc>
-                <a:spcBef>
-                  <a:spcPct val="0"/>
-                </a:spcBef>
-                <a:spcAft>
-                  <a:spcPct val="35000"/>
-                </a:spcAft>
-              </a:pPr>
-              <a:endParaRPr lang="ko-KR" altLang="en-US" sz="2900" kern="1200"/>
-            </a:p>
-          </p:txBody>
-        </p:sp>
-      </p:grpSp>
-      <p:pic>
-        <p:nvPicPr>
-          <p:cNvPr id="26" name="Picture 2" descr="C:\Users\hyoo\Desktop\15.png">
-            <a:hlinkClick r:id="rId4" action="ppaction://hlinksldjump"/>
-          </p:cNvPr>
-          <p:cNvPicPr>
-            <a:picLocks noChangeAspect="1" noChangeArrowheads="1"/>
-          </p:cNvPicPr>
-          <p:nvPr/>
-        </p:nvPicPr>
-        <p:blipFill>
-          <a:blip r:embed="rId5">
-            <a:extLst>
-              <a:ext uri="{28A0092B-C50C-407E-A947-70E740481C1C}">
-                <a14:useLocalDpi xmlns:a14="http://schemas.microsoft.com/office/drawing/2010/main" val="0"/>
-              </a:ext>
-            </a:extLst>
-          </a:blip>
-          <a:srcRect/>
-          <a:stretch>
-            <a:fillRect/>
-          </a:stretch>
-        </p:blipFill>
-        <p:spPr bwMode="auto">
-          <a:xfrm>
-            <a:off x="7310218" y="703129"/>
-            <a:ext cx="493624" cy="493624"/>
-          </a:xfrm>
-          <a:prstGeom prst="rect">
-            <a:avLst/>
-          </a:prstGeom>
-          <a:noFill/>
-          <a:extLst>
-            <a:ext uri="{909E8E84-426E-40DD-AFC4-6F175D3DCCD1}">
-              <a14:hiddenFill xmlns:a14="http://schemas.microsoft.com/office/drawing/2010/main">
-                <a:solidFill>
-                  <a:srgbClr val="FFFFFF"/>
-                </a:solidFill>
-              </a14:hiddenFill>
-            </a:ext>
-          </a:extLst>
-        </p:spPr>
-      </p:pic>
-      <p:pic>
-        <p:nvPicPr>
-          <p:cNvPr id="27" name="Picture 3" descr="C:\Users\hyoo\Desktop\ww_logo.png"/>
-          <p:cNvPicPr>
-            <a:picLocks noChangeAspect="1" noChangeArrowheads="1"/>
-          </p:cNvPicPr>
-          <p:nvPr/>
-        </p:nvPicPr>
-        <p:blipFill>
-          <a:blip r:embed="rId6" cstate="print">
-            <a:extLst>
-              <a:ext uri="{28A0092B-C50C-407E-A947-70E740481C1C}">
-                <a14:useLocalDpi xmlns:a14="http://schemas.microsoft.com/office/drawing/2010/main" val="0"/>
-              </a:ext>
-            </a:extLst>
-          </a:blip>
-          <a:srcRect/>
-          <a:stretch>
-            <a:fillRect/>
-          </a:stretch>
-        </p:blipFill>
-        <p:spPr bwMode="auto">
-          <a:xfrm>
-            <a:off x="3657473" y="655997"/>
-            <a:ext cx="913029" cy="684771"/>
-          </a:xfrm>
-          <a:prstGeom prst="rect">
-            <a:avLst/>
-          </a:prstGeom>
-          <a:noFill/>
-          <a:extLst>
-            <a:ext uri="{909E8E84-426E-40DD-AFC4-6F175D3DCCD1}">
-              <a14:hiddenFill xmlns:a14="http://schemas.microsoft.com/office/drawing/2010/main">
-                <a:solidFill>
-                  <a:srgbClr val="FFFFFF"/>
-                </a:solidFill>
-              </a14:hiddenFill>
-            </a:ext>
-          </a:extLst>
-        </p:spPr>
-      </p:pic>
-      <p:sp>
-        <p:nvSpPr>
-          <p:cNvPr id="18" name="TextBox 17"/>
-          <p:cNvSpPr txBox="1"/>
-          <p:nvPr/>
-        </p:nvSpPr>
-        <p:spPr>
-          <a:xfrm>
-            <a:off x="-36512" y="1639216"/>
-            <a:ext cx="620683" cy="307777"/>
-          </a:xfrm>
-          <a:prstGeom prst="rect">
-            <a:avLst/>
-          </a:prstGeom>
-          <a:noFill/>
-        </p:spPr>
-        <p:txBody>
-          <a:bodyPr wrap="none" rtlCol="0">
-            <a:spAutoFit/>
-          </a:bodyPr>
-          <a:lstStyle/>
-          <a:p>
-            <a:r>
-              <a:rPr lang="en-US" altLang="ko-KR" sz="1400" dirty="0" smtClean="0">
-                <a:solidFill>
-                  <a:schemeClr val="bg1">
-                    <a:lumMod val="75000"/>
-                  </a:schemeClr>
-                </a:solidFill>
-              </a:rPr>
-              <a:t>index</a:t>
-            </a:r>
-            <a:endParaRPr lang="ko-KR" altLang="en-US" sz="1400" dirty="0">
-              <a:solidFill>
-                <a:schemeClr val="bg1">
-                  <a:lumMod val="75000"/>
-                </a:schemeClr>
-              </a:solidFill>
-            </a:endParaRPr>
-          </a:p>
-        </p:txBody>
-      </p:sp>
-      <p:sp>
-        <p:nvSpPr>
-          <p:cNvPr id="19" name="TextBox 18"/>
-          <p:cNvSpPr txBox="1"/>
-          <p:nvPr/>
-        </p:nvSpPr>
-        <p:spPr>
-          <a:xfrm>
-            <a:off x="1023728" y="773871"/>
-            <a:ext cx="1502463" cy="307777"/>
-          </a:xfrm>
-          <a:prstGeom prst="rect">
-            <a:avLst/>
-          </a:prstGeom>
-          <a:noFill/>
-        </p:spPr>
-        <p:txBody>
-          <a:bodyPr wrap="none" rtlCol="0">
-            <a:spAutoFit/>
-          </a:bodyPr>
-          <a:lstStyle/>
-          <a:p>
-            <a:r>
-              <a:rPr lang="en-US" altLang="ko-KR" sz="1400" dirty="0" err="1" smtClean="0">
-                <a:solidFill>
-                  <a:schemeClr val="bg1">
-                    <a:lumMod val="75000"/>
-                  </a:schemeClr>
-                </a:solidFill>
-              </a:rPr>
-              <a:t>enk</a:t>
-            </a:r>
-            <a:r>
-              <a:rPr lang="en-US" altLang="ko-KR" sz="1400" dirty="0" smtClean="0">
-                <a:solidFill>
-                  <a:schemeClr val="bg1">
-                    <a:lumMod val="75000"/>
-                  </a:schemeClr>
-                </a:solidFill>
-              </a:rPr>
-              <a:t> – </a:t>
-            </a:r>
-            <a:r>
-              <a:rPr lang="en-US" altLang="ko-KR" sz="1400" dirty="0" err="1" smtClean="0">
-                <a:solidFill>
-                  <a:schemeClr val="bg1">
-                    <a:lumMod val="75000"/>
-                  </a:schemeClr>
-                </a:solidFill>
-              </a:rPr>
-              <a:t>sel</a:t>
-            </a:r>
-            <a:r>
-              <a:rPr lang="en-US" altLang="ko-KR" sz="1400" dirty="0" smtClean="0">
-                <a:solidFill>
-                  <a:schemeClr val="bg1">
-                    <a:lumMod val="75000"/>
-                  </a:schemeClr>
-                </a:solidFill>
-              </a:rPr>
-              <a:t> - </a:t>
-            </a:r>
-            <a:r>
-              <a:rPr lang="en-US" altLang="ko-KR" sz="1400" dirty="0" err="1" smtClean="0">
-                <a:solidFill>
-                  <a:schemeClr val="bg1">
-                    <a:lumMod val="75000"/>
-                  </a:schemeClr>
-                </a:solidFill>
-              </a:rPr>
-              <a:t>etest</a:t>
-            </a:r>
-            <a:endParaRPr lang="ko-KR" altLang="en-US" sz="1400" dirty="0">
-              <a:solidFill>
-                <a:schemeClr val="bg1">
-                  <a:lumMod val="75000"/>
-                </a:schemeClr>
-              </a:solidFill>
-            </a:endParaRPr>
-          </a:p>
-        </p:txBody>
-      </p:sp>
-      <p:sp>
-        <p:nvSpPr>
-          <p:cNvPr id="20" name="TextBox 19"/>
-          <p:cNvSpPr txBox="1"/>
-          <p:nvPr/>
-        </p:nvSpPr>
-        <p:spPr>
-          <a:xfrm>
-            <a:off x="1023728" y="1350411"/>
-            <a:ext cx="1990930" cy="307777"/>
-          </a:xfrm>
-          <a:prstGeom prst="rect">
-            <a:avLst/>
-          </a:prstGeom>
-          <a:noFill/>
-        </p:spPr>
-        <p:txBody>
-          <a:bodyPr wrap="none" rtlCol="0">
-            <a:spAutoFit/>
-          </a:bodyPr>
-          <a:lstStyle/>
-          <a:p>
-            <a:r>
-              <a:rPr lang="en-US" altLang="ko-KR" sz="1400" dirty="0" smtClean="0">
-                <a:solidFill>
-                  <a:schemeClr val="bg1">
-                    <a:lumMod val="75000"/>
-                  </a:schemeClr>
-                </a:solidFill>
-              </a:rPr>
-              <a:t>mw – view - </a:t>
-            </a:r>
-            <a:r>
-              <a:rPr lang="en-US" altLang="ko-KR" sz="1400" dirty="0" err="1">
-                <a:solidFill>
-                  <a:schemeClr val="bg1">
-                    <a:lumMod val="75000"/>
-                  </a:schemeClr>
-                </a:solidFill>
-              </a:rPr>
-              <a:t>mtest</a:t>
-            </a:r>
-            <a:r>
-              <a:rPr lang="en-US" altLang="ko-KR" sz="1400" dirty="0">
-                <a:solidFill>
-                  <a:schemeClr val="bg1">
-                    <a:lumMod val="75000"/>
-                  </a:schemeClr>
-                </a:solidFill>
-              </a:rPr>
-              <a:t>- </a:t>
-            </a:r>
-            <a:r>
-              <a:rPr lang="en-US" altLang="ko-KR" sz="1400" dirty="0" smtClean="0">
-                <a:solidFill>
-                  <a:schemeClr val="bg1">
-                    <a:lumMod val="75000"/>
-                  </a:schemeClr>
-                </a:solidFill>
-              </a:rPr>
-              <a:t>re</a:t>
-            </a:r>
-            <a:endParaRPr lang="ko-KR" altLang="en-US" sz="1400" dirty="0">
-              <a:solidFill>
-                <a:schemeClr val="bg1">
-                  <a:lumMod val="75000"/>
-                </a:schemeClr>
-              </a:solidFill>
-            </a:endParaRPr>
-          </a:p>
-        </p:txBody>
-      </p:sp>
-      <p:sp>
-        <p:nvSpPr>
-          <p:cNvPr id="25" name="TextBox 24"/>
-          <p:cNvSpPr txBox="1"/>
-          <p:nvPr/>
-        </p:nvSpPr>
-        <p:spPr>
-          <a:xfrm>
-            <a:off x="1023728" y="1927487"/>
-            <a:ext cx="450764" cy="307777"/>
-          </a:xfrm>
-          <a:prstGeom prst="rect">
-            <a:avLst/>
-          </a:prstGeom>
-          <a:noFill/>
-        </p:spPr>
-        <p:txBody>
-          <a:bodyPr wrap="none" rtlCol="0">
-            <a:spAutoFit/>
-          </a:bodyPr>
-          <a:lstStyle/>
-          <a:p>
-            <a:r>
-              <a:rPr lang="en-US" altLang="ko-KR" sz="1400" dirty="0" err="1" smtClean="0">
-                <a:solidFill>
-                  <a:schemeClr val="bg1">
-                    <a:lumMod val="75000"/>
-                  </a:schemeClr>
-                </a:solidFill>
-              </a:rPr>
-              <a:t>mp</a:t>
-            </a:r>
-            <a:endParaRPr lang="ko-KR" altLang="en-US" sz="1400" dirty="0">
-              <a:solidFill>
-                <a:schemeClr val="bg1">
-                  <a:lumMod val="75000"/>
-                </a:schemeClr>
-              </a:solidFill>
-            </a:endParaRPr>
-          </a:p>
-        </p:txBody>
-      </p:sp>
-      <p:sp>
-        <p:nvSpPr>
-          <p:cNvPr id="28" name="TextBox 27"/>
-          <p:cNvSpPr txBox="1"/>
-          <p:nvPr/>
-        </p:nvSpPr>
-        <p:spPr>
-          <a:xfrm>
-            <a:off x="1023728" y="2504563"/>
-            <a:ext cx="436338" cy="307777"/>
-          </a:xfrm>
-          <a:prstGeom prst="rect">
-            <a:avLst/>
-          </a:prstGeom>
-          <a:noFill/>
-        </p:spPr>
-        <p:txBody>
-          <a:bodyPr wrap="none" rtlCol="0">
-            <a:spAutoFit/>
-          </a:bodyPr>
-          <a:lstStyle/>
-          <a:p>
-            <a:r>
-              <a:rPr lang="en-US" altLang="ko-KR" sz="1400" b="1" dirty="0" smtClean="0">
-                <a:solidFill>
-                  <a:srgbClr val="FF0000"/>
-                </a:solidFill>
-              </a:rPr>
-              <a:t>set</a:t>
-            </a:r>
-            <a:endParaRPr lang="ko-KR" altLang="en-US" sz="1400" b="1" dirty="0">
-              <a:solidFill>
-                <a:srgbClr val="FF0000"/>
-              </a:solidFill>
-            </a:endParaRPr>
-          </a:p>
-        </p:txBody>
-      </p:sp>
-      <p:cxnSp>
-        <p:nvCxnSpPr>
-          <p:cNvPr id="29" name="직선 연결선 28"/>
-          <p:cNvCxnSpPr>
-            <a:stCxn id="19" idx="1"/>
-          </p:cNvCxnSpPr>
-          <p:nvPr/>
-        </p:nvCxnSpPr>
-        <p:spPr>
-          <a:xfrm flipH="1">
-            <a:off x="805003" y="927760"/>
-            <a:ext cx="218725" cy="0"/>
-          </a:xfrm>
-          <a:prstGeom prst="line">
-            <a:avLst/>
-          </a:prstGeom>
-          <a:ln>
-            <a:solidFill>
-              <a:schemeClr val="bg1">
-                <a:lumMod val="85000"/>
-              </a:schemeClr>
-            </a:solidFill>
-          </a:ln>
-        </p:spPr>
-        <p:style>
-          <a:lnRef idx="1">
-            <a:schemeClr val="accent1"/>
-          </a:lnRef>
-          <a:fillRef idx="0">
-            <a:schemeClr val="accent1"/>
-          </a:fillRef>
-          <a:effectRef idx="0">
-            <a:schemeClr val="accent1"/>
-          </a:effectRef>
-          <a:fontRef idx="minor">
-            <a:schemeClr val="tx1"/>
-          </a:fontRef>
-        </p:style>
-      </p:cxnSp>
-      <p:cxnSp>
-        <p:nvCxnSpPr>
-          <p:cNvPr id="30" name="직선 연결선 29"/>
-          <p:cNvCxnSpPr/>
-          <p:nvPr/>
-        </p:nvCxnSpPr>
-        <p:spPr>
-          <a:xfrm>
-            <a:off x="805003" y="927759"/>
-            <a:ext cx="0" cy="1730692"/>
-          </a:xfrm>
-          <a:prstGeom prst="line">
-            <a:avLst/>
-          </a:prstGeom>
-          <a:ln>
-            <a:solidFill>
-              <a:schemeClr val="bg1">
-                <a:lumMod val="85000"/>
-              </a:schemeClr>
-            </a:solidFill>
-          </a:ln>
-        </p:spPr>
-        <p:style>
-          <a:lnRef idx="1">
-            <a:schemeClr val="accent1"/>
-          </a:lnRef>
-          <a:fillRef idx="0">
-            <a:schemeClr val="accent1"/>
-          </a:fillRef>
-          <a:effectRef idx="0">
-            <a:schemeClr val="accent1"/>
-          </a:effectRef>
-          <a:fontRef idx="minor">
-            <a:schemeClr val="tx1"/>
-          </a:fontRef>
-        </p:style>
-      </p:cxnSp>
-      <p:cxnSp>
-        <p:nvCxnSpPr>
-          <p:cNvPr id="31" name="직선 연결선 30"/>
-          <p:cNvCxnSpPr/>
-          <p:nvPr/>
-        </p:nvCxnSpPr>
-        <p:spPr>
-          <a:xfrm>
-            <a:off x="805003" y="2658451"/>
-            <a:ext cx="218725" cy="1"/>
-          </a:xfrm>
-          <a:prstGeom prst="line">
-            <a:avLst/>
-          </a:prstGeom>
-          <a:ln>
-            <a:solidFill>
-              <a:schemeClr val="bg1">
-                <a:lumMod val="85000"/>
-              </a:schemeClr>
-            </a:solidFill>
-          </a:ln>
-        </p:spPr>
-        <p:style>
-          <a:lnRef idx="1">
-            <a:schemeClr val="accent1"/>
-          </a:lnRef>
-          <a:fillRef idx="0">
-            <a:schemeClr val="accent1"/>
-          </a:fillRef>
-          <a:effectRef idx="0">
-            <a:schemeClr val="accent1"/>
-          </a:effectRef>
-          <a:fontRef idx="minor">
-            <a:schemeClr val="tx1"/>
-          </a:fontRef>
-        </p:style>
-      </p:cxnSp>
-      <p:cxnSp>
-        <p:nvCxnSpPr>
-          <p:cNvPr id="32" name="직선 연결선 31"/>
-          <p:cNvCxnSpPr>
-            <a:stCxn id="18" idx="3"/>
-          </p:cNvCxnSpPr>
-          <p:nvPr/>
-        </p:nvCxnSpPr>
-        <p:spPr>
-          <a:xfrm>
-            <a:off x="584171" y="1793105"/>
-            <a:ext cx="220832" cy="0"/>
-          </a:xfrm>
-          <a:prstGeom prst="line">
-            <a:avLst/>
-          </a:prstGeom>
-          <a:ln>
-            <a:solidFill>
-              <a:schemeClr val="bg1">
-                <a:lumMod val="85000"/>
-              </a:schemeClr>
-            </a:solidFill>
-          </a:ln>
-        </p:spPr>
-        <p:style>
-          <a:lnRef idx="1">
-            <a:schemeClr val="accent1"/>
-          </a:lnRef>
-          <a:fillRef idx="0">
-            <a:schemeClr val="accent1"/>
-          </a:fillRef>
-          <a:effectRef idx="0">
-            <a:schemeClr val="accent1"/>
-          </a:effectRef>
-          <a:fontRef idx="minor">
-            <a:schemeClr val="tx1"/>
-          </a:fontRef>
-        </p:style>
-      </p:cxnSp>
-    </p:spTree>
-    <p:extLst>
-      <p:ext uri="{BB962C8B-B14F-4D97-AF65-F5344CB8AC3E}">
-        <p14:creationId xmlns:p14="http://schemas.microsoft.com/office/powerpoint/2010/main" val="910111304"/>
-      </p:ext>
-    </p:extLst>
-  </p:cSld>
-  <p:clrMapOvr>
-    <a:masterClrMapping/>
-  </p:clrMapOvr>
-  <p:timing>
-    <p:tnLst>
-      <p:par>
-        <p:cTn id="1" dur="indefinite" restart="never" nodeType="tmRoot">
-          <p:childTnLst>
-            <p:seq concurrent="1" nextAc="seek">
-              <p:cTn id="2" dur="indefinite" nodeType="mainSeq">
-                <p:childTnLst>
-                  <p:par>
-                    <p:cTn id="3" fill="hold">
-                      <p:stCondLst>
-                        <p:cond delay="indefinite"/>
-                      </p:stCondLst>
-                      <p:childTnLst>
-                        <p:par>
-                          <p:cTn id="4" fill="hold">
-                            <p:stCondLst>
-                              <p:cond delay="0"/>
-                            </p:stCondLst>
-                            <p:childTnLst>
-                              <p:par>
-                                <p:cTn id="5" presetID="3" presetClass="emph" presetSubtype="2" fill="hold" grpId="0" nodeType="clickEffect">
-                                  <p:stCondLst>
-                                    <p:cond delay="0"/>
-                                  </p:stCondLst>
-                                  <p:childTnLst>
-                                    <p:animClr clrSpc="rgb" dir="cw">
-                                      <p:cBhvr override="childStyle">
-                                        <p:cTn id="6" dur="2000" fill="hold"/>
-                                        <p:tgtEl>
-                                          <p:spTgt spid="18"/>
-                                        </p:tgtEl>
-                                        <p:attrNameLst>
-                                          <p:attrName>style.color</p:attrName>
-                                        </p:attrNameLst>
-                                      </p:cBhvr>
-                                      <p:to>
-                                        <a:schemeClr val="accent2"/>
-                                      </p:to>
-                                    </p:animClr>
-                                  </p:childTnLst>
-                                </p:cTn>
-                              </p:par>
-                            </p:childTnLst>
-                          </p:cTn>
-                        </p:par>
-                      </p:childTnLst>
-                    </p:cTn>
-                  </p:par>
-                </p:childTnLst>
-              </p:cTn>
-              <p:prevCondLst>
-                <p:cond evt="onPrev" delay="0">
-                  <p:tgtEl>
-                    <p:sldTgt/>
-                  </p:tgtEl>
-                </p:cond>
-              </p:prevCondLst>
-              <p:nextCondLst>
-                <p:cond evt="onNext" delay="0">
-                  <p:tgtEl>
-                    <p:sldTgt/>
-                  </p:tgtEl>
-                </p:cond>
-              </p:nextCondLst>
-            </p:seq>
-          </p:childTnLst>
-        </p:cTn>
-      </p:par>
-    </p:tnLst>
-    <p:bldLst>
-      <p:bldP spid="18" grpId="0"/>
-    </p:bldLst>
-  </p:timing>
-</p:sld>
-</file>
-
-<file path=ppt/slides/slide11.xml><?xml version="1.0" encoding="utf-8"?>
-<p:sld xmlns:a="http://schemas.openxmlformats.org/drawingml/2006/main" xmlns:r="http://schemas.openxmlformats.org/officeDocument/2006/relationships" xmlns:p="http://schemas.openxmlformats.org/presentationml/2006/main">
-  <p:cSld>
-    <p:spTree>
-      <p:nvGrpSpPr>
-        <p:cNvPr id="1" name=""/>
-        <p:cNvGrpSpPr/>
-        <p:nvPr/>
-      </p:nvGrpSpPr>
-      <p:grpSpPr>
-        <a:xfrm>
-          <a:off x="0" y="0"/>
-          <a:ext cx="0" cy="0"/>
-          <a:chOff x="0" y="0"/>
-          <a:chExt cx="0" cy="0"/>
-        </a:xfrm>
-      </p:grpSpPr>
-      <p:sp>
-        <p:nvSpPr>
           <p:cNvPr id="2" name="제목 1"/>
           <p:cNvSpPr>
             <a:spLocks noGrp="1"/>
@@ -8437,7 +7265,7 @@
         </p:nvSpPr>
         <p:spPr>
           <a:xfrm>
-            <a:off x="3347864" y="620688"/>
+            <a:off x="3779912" y="620688"/>
             <a:ext cx="4248472" cy="5616624"/>
           </a:xfrm>
           <a:prstGeom prst="rect">
@@ -8482,7 +7310,7 @@
         </p:nvSpPr>
         <p:spPr>
           <a:xfrm>
-            <a:off x="3634398" y="3861048"/>
+            <a:off x="4066446" y="3861048"/>
             <a:ext cx="1728192" cy="936104"/>
           </a:xfrm>
           <a:prstGeom prst="rect">
@@ -8542,7 +7370,7 @@
         </p:nvSpPr>
         <p:spPr>
           <a:xfrm>
-            <a:off x="5578614" y="3861048"/>
+            <a:off x="6010662" y="3861048"/>
             <a:ext cx="1728192" cy="936104"/>
           </a:xfrm>
           <a:prstGeom prst="rect">
@@ -8599,7 +7427,7 @@
         </p:nvSpPr>
         <p:spPr>
           <a:xfrm>
-            <a:off x="3634398" y="5013176"/>
+            <a:off x="4066446" y="5013176"/>
             <a:ext cx="1728192" cy="936104"/>
           </a:xfrm>
           <a:prstGeom prst="rect">
@@ -8656,7 +7484,7 @@
         </p:nvSpPr>
         <p:spPr>
           <a:xfrm>
-            <a:off x="5578614" y="5013176"/>
+            <a:off x="6010662" y="5013176"/>
             <a:ext cx="1728192" cy="936104"/>
           </a:xfrm>
           <a:prstGeom prst="rect">
@@ -8726,7 +7554,7 @@
         </p:blipFill>
         <p:spPr bwMode="auto">
           <a:xfrm>
-            <a:off x="3486745" y="728004"/>
+            <a:off x="3918793" y="728004"/>
             <a:ext cx="3970709" cy="2978032"/>
           </a:xfrm>
           <a:prstGeom prst="rect">
@@ -9284,7 +8112,7 @@
         </p:nvSpPr>
         <p:spPr>
           <a:xfrm>
-            <a:off x="3419872" y="620688"/>
+            <a:off x="3779912" y="620688"/>
             <a:ext cx="4248472" cy="5616624"/>
           </a:xfrm>
           <a:prstGeom prst="rect">
@@ -9327,7 +8155,7 @@
         </p:nvSpPr>
         <p:spPr>
           <a:xfrm>
-            <a:off x="4391980" y="1258178"/>
+            <a:off x="4752020" y="1258178"/>
             <a:ext cx="2304256" cy="576064"/>
           </a:xfrm>
           <a:prstGeom prst="rect">
@@ -9399,7 +8227,7 @@
         </p:blipFill>
         <p:spPr bwMode="auto">
           <a:xfrm>
-            <a:off x="7094194" y="703129"/>
+            <a:off x="7454234" y="703129"/>
             <a:ext cx="493624" cy="493624"/>
           </a:xfrm>
           <a:prstGeom prst="rect">
@@ -9427,7 +8255,7 @@
         </p:nvSpPr>
         <p:spPr>
           <a:xfrm>
-            <a:off x="4209443" y="2357869"/>
+            <a:off x="4569483" y="2357869"/>
             <a:ext cx="2669329" cy="1431171"/>
           </a:xfrm>
           <a:prstGeom prst="roundRect">
@@ -9495,7 +8323,7 @@
         </p:nvSpPr>
         <p:spPr>
           <a:xfrm>
-            <a:off x="4205429" y="4086061"/>
+            <a:off x="4565469" y="4086061"/>
             <a:ext cx="2669329" cy="1431171"/>
           </a:xfrm>
           <a:prstGeom prst="roundRect">
@@ -9580,7 +8408,7 @@
         </p:blipFill>
         <p:spPr bwMode="auto">
           <a:xfrm>
-            <a:off x="3441449" y="655997"/>
+            <a:off x="3801489" y="655997"/>
             <a:ext cx="913029" cy="684771"/>
           </a:xfrm>
           <a:prstGeom prst="rect">
@@ -10148,7 +8976,7 @@
         </p:nvSpPr>
         <p:spPr>
           <a:xfrm>
-            <a:off x="3491880" y="620688"/>
+            <a:off x="3779912" y="620688"/>
             <a:ext cx="4248472" cy="5616624"/>
           </a:xfrm>
           <a:prstGeom prst="rect">
@@ -10193,7 +9021,7 @@
         </p:nvSpPr>
         <p:spPr>
           <a:xfrm>
-            <a:off x="3778414" y="2636912"/>
+            <a:off x="4066446" y="2636912"/>
             <a:ext cx="1728192" cy="1296144"/>
           </a:xfrm>
           <a:prstGeom prst="roundRect">
@@ -10248,7 +9076,7 @@
         </p:nvGrpSpPr>
         <p:grpSpPr>
           <a:xfrm>
-            <a:off x="5722630" y="2636912"/>
+            <a:off x="6010662" y="2636912"/>
             <a:ext cx="1728192" cy="1296144"/>
             <a:chOff x="4716016" y="2636912"/>
             <a:chExt cx="1728192" cy="1296144"/>
@@ -10359,7 +9187,7 @@
         </p:nvGrpSpPr>
         <p:grpSpPr>
           <a:xfrm>
-            <a:off x="3778414" y="4077072"/>
+            <a:off x="4066446" y="4077072"/>
             <a:ext cx="1728192" cy="1296144"/>
             <a:chOff x="2771800" y="4077072"/>
             <a:chExt cx="1728192" cy="1296144"/>
@@ -10470,7 +9298,7 @@
         </p:nvGrpSpPr>
         <p:grpSpPr>
           <a:xfrm>
-            <a:off x="5722630" y="4077072"/>
+            <a:off x="6010662" y="4077072"/>
             <a:ext cx="1728192" cy="1296144"/>
             <a:chOff x="4716016" y="4077072"/>
             <a:chExt cx="1728192" cy="1296144"/>
@@ -10598,7 +9426,7 @@
         </p:blipFill>
         <p:spPr bwMode="auto">
           <a:xfrm>
-            <a:off x="7166202" y="703129"/>
+            <a:off x="7454234" y="703129"/>
             <a:ext cx="493624" cy="493624"/>
           </a:xfrm>
           <a:prstGeom prst="rect">
@@ -10624,7 +9452,7 @@
         </p:nvSpPr>
         <p:spPr>
           <a:xfrm>
-            <a:off x="4463988" y="1258178"/>
+            <a:off x="4752020" y="1258178"/>
             <a:ext cx="2304256" cy="576064"/>
           </a:xfrm>
           <a:prstGeom prst="rect">
@@ -10694,7 +9522,7 @@
         </p:blipFill>
         <p:spPr bwMode="auto">
           <a:xfrm>
-            <a:off x="3513457" y="655997"/>
+            <a:off x="3801489" y="655997"/>
             <a:ext cx="913029" cy="684771"/>
           </a:xfrm>
           <a:prstGeom prst="rect">
@@ -11262,7 +10090,7 @@
         </p:nvSpPr>
         <p:spPr>
           <a:xfrm>
-            <a:off x="3707904" y="620688"/>
+            <a:off x="3779912" y="620688"/>
             <a:ext cx="4248472" cy="5616624"/>
           </a:xfrm>
           <a:prstGeom prst="rect">
@@ -11309,7 +10137,7 @@
         </p:nvSpPr>
         <p:spPr>
           <a:xfrm>
-            <a:off x="4680012" y="1258178"/>
+            <a:off x="4752020" y="1258178"/>
             <a:ext cx="2304256" cy="576064"/>
           </a:xfrm>
           <a:prstGeom prst="rect">
@@ -11381,7 +10209,7 @@
         </p:blipFill>
         <p:spPr bwMode="auto">
           <a:xfrm>
-            <a:off x="7382226" y="703129"/>
+            <a:off x="7454234" y="703129"/>
             <a:ext cx="493624" cy="493624"/>
           </a:xfrm>
           <a:prstGeom prst="rect">
@@ -11407,7 +10235,7 @@
         </p:nvSpPr>
         <p:spPr>
           <a:xfrm>
-            <a:off x="4812026" y="2987660"/>
+            <a:off x="4884034" y="2987660"/>
             <a:ext cx="2040227" cy="369332"/>
           </a:xfrm>
           <a:prstGeom prst="rect">
@@ -11438,7 +10266,7 @@
         </p:nvSpPr>
         <p:spPr>
           <a:xfrm>
-            <a:off x="4016320" y="4293096"/>
+            <a:off x="4088328" y="4293096"/>
             <a:ext cx="1562294" cy="369332"/>
           </a:xfrm>
           <a:prstGeom prst="rect">
@@ -11468,7 +10296,7 @@
         </p:nvSpPr>
         <p:spPr>
           <a:xfrm>
-            <a:off x="5866646" y="4293096"/>
+            <a:off x="5938654" y="4293096"/>
             <a:ext cx="1562294" cy="369332"/>
           </a:xfrm>
           <a:prstGeom prst="rect">
@@ -11514,7 +10342,7 @@
         </p:blipFill>
         <p:spPr bwMode="auto">
           <a:xfrm>
-            <a:off x="3729481" y="655997"/>
+            <a:off x="3801489" y="655997"/>
             <a:ext cx="913029" cy="684771"/>
           </a:xfrm>
           <a:prstGeom prst="rect">
@@ -12934,7 +11762,7 @@
         </p:nvSpPr>
         <p:spPr>
           <a:xfrm>
-            <a:off x="3707904" y="620688"/>
+            <a:off x="3779912" y="620688"/>
             <a:ext cx="4248472" cy="5616624"/>
           </a:xfrm>
           <a:prstGeom prst="rect">
@@ -12977,7 +11805,7 @@
         </p:nvSpPr>
         <p:spPr>
           <a:xfrm>
-            <a:off x="4680012" y="1258178"/>
+            <a:off x="4752020" y="1258178"/>
             <a:ext cx="2304256" cy="576064"/>
           </a:xfrm>
           <a:prstGeom prst="rect">
@@ -13049,7 +11877,7 @@
         </p:blipFill>
         <p:spPr bwMode="auto">
           <a:xfrm>
-            <a:off x="7382226" y="703129"/>
+            <a:off x="7454234" y="703129"/>
             <a:ext cx="493624" cy="493624"/>
           </a:xfrm>
           <a:prstGeom prst="rect">
@@ -13075,7 +11903,7 @@
         </p:nvSpPr>
         <p:spPr>
           <a:xfrm>
-            <a:off x="3922430" y="1988840"/>
+            <a:off x="3994438" y="1988840"/>
             <a:ext cx="3744416" cy="3312368"/>
           </a:xfrm>
           <a:prstGeom prst="rect">
@@ -13542,7 +12370,7 @@
         </p:nvSpPr>
         <p:spPr>
           <a:xfrm>
-            <a:off x="3994438" y="5517232"/>
+            <a:off x="4066446" y="5517232"/>
             <a:ext cx="1080120" cy="504056"/>
           </a:xfrm>
           <a:prstGeom prst="roundRect">
@@ -13602,7 +12430,7 @@
         </p:nvSpPr>
         <p:spPr>
           <a:xfrm>
-            <a:off x="5290582" y="5517232"/>
+            <a:off x="5362590" y="5517232"/>
             <a:ext cx="1080120" cy="504056"/>
           </a:xfrm>
           <a:prstGeom prst="roundRect">
@@ -13662,7 +12490,7 @@
         </p:nvSpPr>
         <p:spPr>
           <a:xfrm>
-            <a:off x="6586726" y="5517232"/>
+            <a:off x="6658734" y="5517232"/>
             <a:ext cx="1080120" cy="504056"/>
           </a:xfrm>
           <a:prstGeom prst="roundRect">
@@ -13737,7 +12565,7 @@
         </p:blipFill>
         <p:spPr bwMode="auto">
           <a:xfrm>
-            <a:off x="3729481" y="655997"/>
+            <a:off x="3801489" y="655997"/>
             <a:ext cx="913029" cy="684771"/>
           </a:xfrm>
           <a:prstGeom prst="rect">
@@ -14307,7 +13135,7 @@
         </p:nvSpPr>
         <p:spPr>
           <a:xfrm>
-            <a:off x="3707904" y="620688"/>
+            <a:off x="3779912" y="620688"/>
             <a:ext cx="4248472" cy="5616624"/>
           </a:xfrm>
           <a:prstGeom prst="rect">
@@ -14342,1432 +13170,6 @@
           </a:p>
         </p:txBody>
       </p:sp>
-      <p:sp>
-        <p:nvSpPr>
-          <p:cNvPr id="8" name="직사각형 7"/>
-          <p:cNvSpPr/>
-          <p:nvPr/>
-        </p:nvSpPr>
-        <p:spPr>
-          <a:xfrm>
-            <a:off x="4680012" y="1258178"/>
-            <a:ext cx="2304256" cy="576064"/>
-          </a:xfrm>
-          <a:prstGeom prst="rect">
-            <a:avLst/>
-          </a:prstGeom>
-          <a:solidFill>
-            <a:schemeClr val="bg1"/>
-          </a:solidFill>
-        </p:spPr>
-        <p:style>
-          <a:lnRef idx="2">
-            <a:schemeClr val="accent1">
-              <a:shade val="50000"/>
-            </a:schemeClr>
-          </a:lnRef>
-          <a:fillRef idx="1">
-            <a:schemeClr val="accent1"/>
-          </a:fillRef>
-          <a:effectRef idx="0">
-            <a:schemeClr val="accent1"/>
-          </a:effectRef>
-          <a:fontRef idx="minor">
-            <a:schemeClr val="lt1"/>
-          </a:fontRef>
-        </p:style>
-        <p:txBody>
-          <a:bodyPr rtlCol="0" anchor="ctr"/>
-          <a:lstStyle/>
-          <a:p>
-            <a:pPr algn="ctr"/>
-            <a:r>
-              <a:rPr lang="ko-KR" altLang="en-US" dirty="0" smtClean="0">
-                <a:solidFill>
-                  <a:schemeClr val="tx1"/>
-                </a:solidFill>
-              </a:rPr>
-              <a:t>내 단어 시험 결과</a:t>
-            </a:r>
-            <a:endParaRPr lang="ko-KR" altLang="en-US" dirty="0">
-              <a:solidFill>
-                <a:schemeClr val="tx1"/>
-              </a:solidFill>
-            </a:endParaRPr>
-          </a:p>
-        </p:txBody>
-      </p:sp>
-      <p:pic>
-        <p:nvPicPr>
-          <p:cNvPr id="10" name="Picture 2" descr="C:\Users\hyoo\Desktop\15.png">
-            <a:hlinkClick r:id="rId2" action="ppaction://hlinksldjump"/>
-          </p:cNvPr>
-          <p:cNvPicPr>
-            <a:picLocks noChangeAspect="1" noChangeArrowheads="1"/>
-          </p:cNvPicPr>
-          <p:nvPr/>
-        </p:nvPicPr>
-        <p:blipFill>
-          <a:blip r:embed="rId3">
-            <a:extLst>
-              <a:ext uri="{28A0092B-C50C-407E-A947-70E740481C1C}">
-                <a14:useLocalDpi xmlns:a14="http://schemas.microsoft.com/office/drawing/2010/main" val="0"/>
-              </a:ext>
-            </a:extLst>
-          </a:blip>
-          <a:srcRect/>
-          <a:stretch>
-            <a:fillRect/>
-          </a:stretch>
-        </p:blipFill>
-        <p:spPr bwMode="auto">
-          <a:xfrm>
-            <a:off x="7382226" y="703129"/>
-            <a:ext cx="493624" cy="493624"/>
-          </a:xfrm>
-          <a:prstGeom prst="rect">
-            <a:avLst/>
-          </a:prstGeom>
-          <a:noFill/>
-          <a:extLst>
-            <a:ext uri="{909E8E84-426E-40DD-AFC4-6F175D3DCCD1}">
-              <a14:hiddenFill xmlns:a14="http://schemas.microsoft.com/office/drawing/2010/main">
-                <a:solidFill>
-                  <a:srgbClr val="FFFFFF"/>
-                </a:solidFill>
-              </a14:hiddenFill>
-            </a:ext>
-          </a:extLst>
-        </p:spPr>
-      </p:pic>
-      <p:sp>
-        <p:nvSpPr>
-          <p:cNvPr id="2" name="직사각형 1"/>
-          <p:cNvSpPr/>
-          <p:nvPr/>
-        </p:nvSpPr>
-        <p:spPr>
-          <a:xfrm>
-            <a:off x="3993570" y="1946993"/>
-            <a:ext cx="3744416" cy="4032448"/>
-          </a:xfrm>
-          <a:prstGeom prst="rect">
-            <a:avLst/>
-          </a:prstGeom>
-          <a:solidFill>
-            <a:schemeClr val="bg1"/>
-          </a:solidFill>
-        </p:spPr>
-        <p:style>
-          <a:lnRef idx="2">
-            <a:schemeClr val="accent1">
-              <a:shade val="50000"/>
-            </a:schemeClr>
-          </a:lnRef>
-          <a:fillRef idx="1">
-            <a:schemeClr val="accent1"/>
-          </a:fillRef>
-          <a:effectRef idx="0">
-            <a:schemeClr val="accent1"/>
-          </a:effectRef>
-          <a:fontRef idx="minor">
-            <a:schemeClr val="lt1"/>
-          </a:fontRef>
-        </p:style>
-        <p:txBody>
-          <a:bodyPr rtlCol="0" anchor="ctr"/>
-          <a:lstStyle/>
-          <a:p>
-            <a:endParaRPr lang="en-US" altLang="ko-KR" dirty="0" smtClean="0">
-              <a:solidFill>
-                <a:schemeClr val="tx1"/>
-              </a:solidFill>
-            </a:endParaRPr>
-          </a:p>
-          <a:p>
-            <a:r>
-              <a:rPr lang="en-US" altLang="ko-KR" dirty="0" smtClean="0">
-                <a:solidFill>
-                  <a:schemeClr val="tx1"/>
-                </a:solidFill>
-              </a:rPr>
-              <a:t>APPLE 		</a:t>
-            </a:r>
-            <a:r>
-              <a:rPr lang="ko-KR" altLang="en-US" dirty="0" smtClean="0">
-                <a:solidFill>
-                  <a:schemeClr val="tx1"/>
-                </a:solidFill>
-              </a:rPr>
-              <a:t>사과</a:t>
-            </a:r>
-            <a:endParaRPr lang="en-US" altLang="ko-KR" dirty="0" smtClean="0">
-              <a:solidFill>
-                <a:schemeClr val="tx1"/>
-              </a:solidFill>
-            </a:endParaRPr>
-          </a:p>
-          <a:p>
-            <a:endParaRPr lang="en-US" altLang="ko-KR" dirty="0" smtClean="0">
-              <a:solidFill>
-                <a:schemeClr val="tx1"/>
-              </a:solidFill>
-            </a:endParaRPr>
-          </a:p>
-          <a:p>
-            <a:r>
-              <a:rPr lang="en-US" altLang="ko-KR" dirty="0" smtClean="0">
-                <a:solidFill>
-                  <a:schemeClr val="tx1"/>
-                </a:solidFill>
-              </a:rPr>
-              <a:t>BANANA </a:t>
-            </a:r>
-            <a:r>
-              <a:rPr lang="en-US" altLang="ko-KR" dirty="0" smtClean="0">
-                <a:solidFill>
-                  <a:schemeClr val="tx1"/>
-                </a:solidFill>
-              </a:rPr>
-              <a:t>	</a:t>
-            </a:r>
-            <a:r>
-              <a:rPr lang="ko-KR" altLang="en-US" dirty="0" smtClean="0">
-                <a:solidFill>
-                  <a:schemeClr val="tx1"/>
-                </a:solidFill>
-              </a:rPr>
-              <a:t>바나나</a:t>
-            </a:r>
-            <a:endParaRPr lang="en-US" altLang="ko-KR" dirty="0" smtClean="0">
-              <a:solidFill>
-                <a:schemeClr val="tx1"/>
-              </a:solidFill>
-            </a:endParaRPr>
-          </a:p>
-          <a:p>
-            <a:endParaRPr lang="en-US" altLang="ko-KR" dirty="0">
-              <a:solidFill>
-                <a:schemeClr val="tx1"/>
-              </a:solidFill>
-            </a:endParaRPr>
-          </a:p>
-          <a:p>
-            <a:r>
-              <a:rPr lang="en-US" altLang="ko-KR" dirty="0">
-                <a:solidFill>
-                  <a:schemeClr val="tx1"/>
-                </a:solidFill>
-              </a:rPr>
-              <a:t>CANDY </a:t>
-            </a:r>
-            <a:r>
-              <a:rPr lang="en-US" altLang="ko-KR" dirty="0" smtClean="0">
-                <a:solidFill>
-                  <a:schemeClr val="tx1"/>
-                </a:solidFill>
-              </a:rPr>
-              <a:t>		</a:t>
-            </a:r>
-            <a:r>
-              <a:rPr lang="ko-KR" altLang="en-US" dirty="0" smtClean="0">
-                <a:solidFill>
-                  <a:schemeClr val="tx1"/>
-                </a:solidFill>
-              </a:rPr>
-              <a:t>사탕</a:t>
-            </a:r>
-            <a:endParaRPr lang="en-US" altLang="ko-KR" dirty="0" smtClean="0">
-              <a:solidFill>
-                <a:schemeClr val="tx1"/>
-              </a:solidFill>
-            </a:endParaRPr>
-          </a:p>
-          <a:p>
-            <a:endParaRPr lang="en-US" altLang="ko-KR" dirty="0">
-              <a:solidFill>
-                <a:schemeClr val="tx1"/>
-              </a:solidFill>
-            </a:endParaRPr>
-          </a:p>
-          <a:p>
-            <a:r>
-              <a:rPr lang="en-US" altLang="ko-KR" dirty="0">
-                <a:solidFill>
-                  <a:schemeClr val="tx1"/>
-                </a:solidFill>
-              </a:rPr>
-              <a:t>DIGITAL </a:t>
-            </a:r>
-            <a:r>
-              <a:rPr lang="en-US" altLang="ko-KR" dirty="0" smtClean="0">
-                <a:solidFill>
-                  <a:schemeClr val="tx1"/>
-                </a:solidFill>
-              </a:rPr>
-              <a:t>		</a:t>
-            </a:r>
-            <a:r>
-              <a:rPr lang="ko-KR" altLang="en-US" dirty="0" smtClean="0">
-                <a:solidFill>
-                  <a:schemeClr val="tx1"/>
-                </a:solidFill>
-              </a:rPr>
-              <a:t>디지털      </a:t>
-            </a:r>
-            <a:endParaRPr lang="en-US" altLang="ko-KR" dirty="0" smtClean="0">
-              <a:solidFill>
-                <a:schemeClr val="tx1"/>
-              </a:solidFill>
-            </a:endParaRPr>
-          </a:p>
-          <a:p>
-            <a:endParaRPr lang="en-US" altLang="ko-KR" dirty="0">
-              <a:solidFill>
-                <a:schemeClr val="tx1"/>
-              </a:solidFill>
-            </a:endParaRPr>
-          </a:p>
-          <a:p>
-            <a:r>
-              <a:rPr lang="en-US" altLang="ko-KR" dirty="0" smtClean="0">
-                <a:solidFill>
-                  <a:schemeClr val="tx1"/>
-                </a:solidFill>
-              </a:rPr>
-              <a:t>ENERGY		</a:t>
-            </a:r>
-            <a:r>
-              <a:rPr lang="ko-KR" altLang="en-US" dirty="0" smtClean="0">
-                <a:solidFill>
-                  <a:schemeClr val="tx1"/>
-                </a:solidFill>
-              </a:rPr>
-              <a:t>에너지      </a:t>
-            </a:r>
-            <a:endParaRPr lang="en-US" altLang="ko-KR" dirty="0" smtClean="0">
-              <a:solidFill>
-                <a:schemeClr val="tx1"/>
-              </a:solidFill>
-            </a:endParaRPr>
-          </a:p>
-          <a:p>
-            <a:endParaRPr lang="en-US" altLang="ko-KR" dirty="0">
-              <a:solidFill>
-                <a:schemeClr val="tx1"/>
-              </a:solidFill>
-            </a:endParaRPr>
-          </a:p>
-          <a:p>
-            <a:r>
-              <a:rPr lang="en-US" altLang="ko-KR" dirty="0">
-                <a:solidFill>
-                  <a:schemeClr val="tx1"/>
-                </a:solidFill>
-              </a:rPr>
-              <a:t>FARM </a:t>
-            </a:r>
-            <a:r>
-              <a:rPr lang="en-US" altLang="ko-KR" dirty="0" smtClean="0">
-                <a:solidFill>
-                  <a:schemeClr val="tx1"/>
-                </a:solidFill>
-              </a:rPr>
-              <a:t>		</a:t>
-            </a:r>
-            <a:r>
-              <a:rPr lang="ko-KR" altLang="en-US" dirty="0" smtClean="0">
-                <a:solidFill>
-                  <a:schemeClr val="tx1"/>
-                </a:solidFill>
-              </a:rPr>
-              <a:t>농장         </a:t>
-            </a:r>
-            <a:endParaRPr lang="en-US" altLang="ko-KR" dirty="0" smtClean="0">
-              <a:solidFill>
-                <a:schemeClr val="tx1"/>
-              </a:solidFill>
-            </a:endParaRPr>
-          </a:p>
-          <a:p>
-            <a:endParaRPr lang="en-US" altLang="ko-KR" dirty="0">
-              <a:solidFill>
-                <a:schemeClr val="tx1"/>
-              </a:solidFill>
-            </a:endParaRPr>
-          </a:p>
-          <a:p>
-            <a:r>
-              <a:rPr lang="en-US" altLang="ko-KR" dirty="0" smtClean="0">
-                <a:solidFill>
-                  <a:schemeClr val="tx1"/>
-                </a:solidFill>
-              </a:rPr>
-              <a:t>GIRL 		</a:t>
-            </a:r>
-            <a:r>
-              <a:rPr lang="ko-KR" altLang="en-US" dirty="0" smtClean="0">
-                <a:solidFill>
-                  <a:schemeClr val="tx1"/>
-                </a:solidFill>
-              </a:rPr>
-              <a:t>소녀</a:t>
-            </a:r>
-            <a:r>
-              <a:rPr lang="ko-KR" altLang="en-US" b="1" dirty="0">
-                <a:ln w="18000">
-                  <a:solidFill>
-                    <a:schemeClr val="accent2">
-                      <a:satMod val="140000"/>
-                    </a:schemeClr>
-                  </a:solidFill>
-                  <a:prstDash val="solid"/>
-                  <a:miter lim="800000"/>
-                </a:ln>
-                <a:noFill/>
-                <a:effectLst>
-                  <a:outerShdw blurRad="25500" dist="23000" dir="7020000" algn="tl">
-                    <a:srgbClr val="000000">
-                      <a:alpha val="50000"/>
-                    </a:srgbClr>
-                  </a:outerShdw>
-                </a:effectLst>
-              </a:rPr>
-              <a:t> </a:t>
-            </a:r>
-            <a:r>
-              <a:rPr lang="ko-KR" altLang="en-US" b="1" dirty="0" smtClean="0">
-                <a:ln w="18000">
-                  <a:solidFill>
-                    <a:schemeClr val="accent2">
-                      <a:satMod val="140000"/>
-                    </a:schemeClr>
-                  </a:solidFill>
-                  <a:prstDash val="solid"/>
-                  <a:miter lim="800000"/>
-                </a:ln>
-                <a:noFill/>
-                <a:effectLst>
-                  <a:outerShdw blurRad="25500" dist="23000" dir="7020000" algn="tl">
-                    <a:srgbClr val="000000">
-                      <a:alpha val="50000"/>
-                    </a:srgbClr>
-                  </a:outerShdw>
-                </a:effectLst>
-              </a:rPr>
-              <a:t>        </a:t>
-            </a:r>
-            <a:endParaRPr lang="ko" altLang="en-US" dirty="0" smtClean="0">
-              <a:solidFill>
-                <a:schemeClr val="tx1"/>
-              </a:solidFill>
-            </a:endParaRPr>
-          </a:p>
-          <a:p>
-            <a:pPr algn="ctr"/>
-            <a:endParaRPr lang="en-US" altLang="ko-KR" dirty="0" smtClean="0">
-              <a:solidFill>
-                <a:schemeClr val="tx1"/>
-              </a:solidFill>
-            </a:endParaRPr>
-          </a:p>
-        </p:txBody>
-      </p:sp>
-      <p:pic>
-        <p:nvPicPr>
-          <p:cNvPr id="20" name="Picture 3" descr="C:\Users\hyoo\Desktop\ww_logo.png"/>
-          <p:cNvPicPr>
-            <a:picLocks noChangeAspect="1" noChangeArrowheads="1"/>
-          </p:cNvPicPr>
-          <p:nvPr/>
-        </p:nvPicPr>
-        <p:blipFill>
-          <a:blip r:embed="rId4" cstate="print">
-            <a:extLst>
-              <a:ext uri="{28A0092B-C50C-407E-A947-70E740481C1C}">
-                <a14:useLocalDpi xmlns:a14="http://schemas.microsoft.com/office/drawing/2010/main" val="0"/>
-              </a:ext>
-            </a:extLst>
-          </a:blip>
-          <a:srcRect/>
-          <a:stretch>
-            <a:fillRect/>
-          </a:stretch>
-        </p:blipFill>
-        <p:spPr bwMode="auto">
-          <a:xfrm>
-            <a:off x="3729481" y="655997"/>
-            <a:ext cx="913029" cy="684771"/>
-          </a:xfrm>
-          <a:prstGeom prst="rect">
-            <a:avLst/>
-          </a:prstGeom>
-          <a:noFill/>
-          <a:extLst>
-            <a:ext uri="{909E8E84-426E-40DD-AFC4-6F175D3DCCD1}">
-              <a14:hiddenFill xmlns:a14="http://schemas.microsoft.com/office/drawing/2010/main">
-                <a:solidFill>
-                  <a:srgbClr val="FFFFFF"/>
-                </a:solidFill>
-              </a14:hiddenFill>
-            </a:ext>
-          </a:extLst>
-        </p:spPr>
-      </p:pic>
-      <p:sp>
-        <p:nvSpPr>
-          <p:cNvPr id="12" name="TextBox 11"/>
-          <p:cNvSpPr txBox="1"/>
-          <p:nvPr/>
-        </p:nvSpPr>
-        <p:spPr>
-          <a:xfrm>
-            <a:off x="-36512" y="1639216"/>
-            <a:ext cx="620683" cy="307777"/>
-          </a:xfrm>
-          <a:prstGeom prst="rect">
-            <a:avLst/>
-          </a:prstGeom>
-          <a:noFill/>
-        </p:spPr>
-        <p:txBody>
-          <a:bodyPr wrap="none" rtlCol="0">
-            <a:spAutoFit/>
-          </a:bodyPr>
-          <a:lstStyle/>
-          <a:p>
-            <a:r>
-              <a:rPr lang="en-US" altLang="ko-KR" sz="1400" dirty="0" smtClean="0">
-                <a:solidFill>
-                  <a:schemeClr val="bg1">
-                    <a:lumMod val="75000"/>
-                  </a:schemeClr>
-                </a:solidFill>
-              </a:rPr>
-              <a:t>index</a:t>
-            </a:r>
-            <a:endParaRPr lang="ko-KR" altLang="en-US" sz="1400" dirty="0">
-              <a:solidFill>
-                <a:schemeClr val="bg1">
-                  <a:lumMod val="75000"/>
-                </a:schemeClr>
-              </a:solidFill>
-            </a:endParaRPr>
-          </a:p>
-        </p:txBody>
-      </p:sp>
-      <p:sp>
-        <p:nvSpPr>
-          <p:cNvPr id="13" name="TextBox 12"/>
-          <p:cNvSpPr txBox="1"/>
-          <p:nvPr/>
-        </p:nvSpPr>
-        <p:spPr>
-          <a:xfrm>
-            <a:off x="1023728" y="773871"/>
-            <a:ext cx="1502463" cy="307777"/>
-          </a:xfrm>
-          <a:prstGeom prst="rect">
-            <a:avLst/>
-          </a:prstGeom>
-          <a:noFill/>
-        </p:spPr>
-        <p:txBody>
-          <a:bodyPr wrap="none" rtlCol="0">
-            <a:spAutoFit/>
-          </a:bodyPr>
-          <a:lstStyle/>
-          <a:p>
-            <a:r>
-              <a:rPr lang="en-US" altLang="ko-KR" sz="1400" dirty="0" err="1" smtClean="0">
-                <a:solidFill>
-                  <a:schemeClr val="bg1">
-                    <a:lumMod val="75000"/>
-                  </a:schemeClr>
-                </a:solidFill>
-              </a:rPr>
-              <a:t>enk</a:t>
-            </a:r>
-            <a:r>
-              <a:rPr lang="en-US" altLang="ko-KR" sz="1400" dirty="0" smtClean="0">
-                <a:solidFill>
-                  <a:schemeClr val="bg1">
-                    <a:lumMod val="75000"/>
-                  </a:schemeClr>
-                </a:solidFill>
-              </a:rPr>
-              <a:t> – </a:t>
-            </a:r>
-            <a:r>
-              <a:rPr lang="en-US" altLang="ko-KR" sz="1400" dirty="0" err="1" smtClean="0">
-                <a:solidFill>
-                  <a:schemeClr val="bg1">
-                    <a:lumMod val="75000"/>
-                  </a:schemeClr>
-                </a:solidFill>
-              </a:rPr>
-              <a:t>sel</a:t>
-            </a:r>
-            <a:r>
-              <a:rPr lang="en-US" altLang="ko-KR" sz="1400" dirty="0" smtClean="0">
-                <a:solidFill>
-                  <a:schemeClr val="bg1">
-                    <a:lumMod val="75000"/>
-                  </a:schemeClr>
-                </a:solidFill>
-              </a:rPr>
-              <a:t> - </a:t>
-            </a:r>
-            <a:r>
-              <a:rPr lang="en-US" altLang="ko-KR" sz="1400" dirty="0" err="1" smtClean="0">
-                <a:solidFill>
-                  <a:schemeClr val="bg1">
-                    <a:lumMod val="75000"/>
-                  </a:schemeClr>
-                </a:solidFill>
-              </a:rPr>
-              <a:t>etest</a:t>
-            </a:r>
-            <a:endParaRPr lang="ko-KR" altLang="en-US" sz="1400" dirty="0">
-              <a:solidFill>
-                <a:schemeClr val="bg1">
-                  <a:lumMod val="75000"/>
-                </a:schemeClr>
-              </a:solidFill>
-            </a:endParaRPr>
-          </a:p>
-        </p:txBody>
-      </p:sp>
-      <p:sp>
-        <p:nvSpPr>
-          <p:cNvPr id="16" name="TextBox 15"/>
-          <p:cNvSpPr txBox="1"/>
-          <p:nvPr/>
-        </p:nvSpPr>
-        <p:spPr>
-          <a:xfrm>
-            <a:off x="1023728" y="1350411"/>
-            <a:ext cx="2142766" cy="307777"/>
-          </a:xfrm>
-          <a:prstGeom prst="rect">
-            <a:avLst/>
-          </a:prstGeom>
-          <a:noFill/>
-        </p:spPr>
-        <p:txBody>
-          <a:bodyPr wrap="none" rtlCol="0">
-            <a:spAutoFit/>
-          </a:bodyPr>
-          <a:lstStyle/>
-          <a:p>
-            <a:r>
-              <a:rPr lang="en-US" altLang="ko-KR" sz="1400" dirty="0" smtClean="0">
-                <a:solidFill>
-                  <a:schemeClr val="bg1">
-                    <a:lumMod val="75000"/>
-                  </a:schemeClr>
-                </a:solidFill>
-              </a:rPr>
-              <a:t>mw – view – </a:t>
-            </a:r>
-            <a:r>
-              <a:rPr lang="en-US" altLang="ko-KR" sz="1400" dirty="0" err="1" smtClean="0">
-                <a:solidFill>
-                  <a:schemeClr val="bg1">
-                    <a:lumMod val="75000"/>
-                  </a:schemeClr>
-                </a:solidFill>
-              </a:rPr>
-              <a:t>mtest</a:t>
-            </a:r>
-            <a:r>
-              <a:rPr lang="en-US" altLang="ko-KR" sz="1400" dirty="0" smtClean="0">
-                <a:solidFill>
-                  <a:schemeClr val="bg1">
-                    <a:lumMod val="75000"/>
-                  </a:schemeClr>
-                </a:solidFill>
-              </a:rPr>
-              <a:t> - </a:t>
-            </a:r>
-            <a:r>
-              <a:rPr lang="en-US" altLang="ko-KR" sz="1400" b="1" dirty="0" smtClean="0">
-                <a:solidFill>
-                  <a:srgbClr val="FF0000"/>
-                </a:solidFill>
-              </a:rPr>
-              <a:t>re</a:t>
-            </a:r>
-            <a:endParaRPr lang="ko-KR" altLang="en-US" sz="1400" b="1" dirty="0">
-              <a:solidFill>
-                <a:srgbClr val="FF0000"/>
-              </a:solidFill>
-            </a:endParaRPr>
-          </a:p>
-        </p:txBody>
-      </p:sp>
-      <p:sp>
-        <p:nvSpPr>
-          <p:cNvPr id="17" name="TextBox 16"/>
-          <p:cNvSpPr txBox="1"/>
-          <p:nvPr/>
-        </p:nvSpPr>
-        <p:spPr>
-          <a:xfrm>
-            <a:off x="1023728" y="1927487"/>
-            <a:ext cx="450764" cy="307777"/>
-          </a:xfrm>
-          <a:prstGeom prst="rect">
-            <a:avLst/>
-          </a:prstGeom>
-          <a:noFill/>
-        </p:spPr>
-        <p:txBody>
-          <a:bodyPr wrap="none" rtlCol="0">
-            <a:spAutoFit/>
-          </a:bodyPr>
-          <a:lstStyle/>
-          <a:p>
-            <a:r>
-              <a:rPr lang="en-US" altLang="ko-KR" sz="1400" dirty="0" err="1" smtClean="0">
-                <a:solidFill>
-                  <a:schemeClr val="bg1">
-                    <a:lumMod val="75000"/>
-                  </a:schemeClr>
-                </a:solidFill>
-              </a:rPr>
-              <a:t>mp</a:t>
-            </a:r>
-            <a:endParaRPr lang="ko-KR" altLang="en-US" sz="1400" dirty="0">
-              <a:solidFill>
-                <a:schemeClr val="bg1">
-                  <a:lumMod val="75000"/>
-                </a:schemeClr>
-              </a:solidFill>
-            </a:endParaRPr>
-          </a:p>
-        </p:txBody>
-      </p:sp>
-      <p:sp>
-        <p:nvSpPr>
-          <p:cNvPr id="18" name="TextBox 17"/>
-          <p:cNvSpPr txBox="1"/>
-          <p:nvPr/>
-        </p:nvSpPr>
-        <p:spPr>
-          <a:xfrm>
-            <a:off x="1023728" y="2504563"/>
-            <a:ext cx="421910" cy="307777"/>
-          </a:xfrm>
-          <a:prstGeom prst="rect">
-            <a:avLst/>
-          </a:prstGeom>
-          <a:noFill/>
-        </p:spPr>
-        <p:txBody>
-          <a:bodyPr wrap="none" rtlCol="0">
-            <a:spAutoFit/>
-          </a:bodyPr>
-          <a:lstStyle/>
-          <a:p>
-            <a:r>
-              <a:rPr lang="en-US" altLang="ko-KR" sz="1400" dirty="0" smtClean="0">
-                <a:solidFill>
-                  <a:schemeClr val="bg1">
-                    <a:lumMod val="75000"/>
-                  </a:schemeClr>
-                </a:solidFill>
-              </a:rPr>
-              <a:t>set</a:t>
-            </a:r>
-            <a:endParaRPr lang="ko-KR" altLang="en-US" sz="1400" dirty="0">
-              <a:solidFill>
-                <a:schemeClr val="bg1">
-                  <a:lumMod val="75000"/>
-                </a:schemeClr>
-              </a:solidFill>
-            </a:endParaRPr>
-          </a:p>
-        </p:txBody>
-      </p:sp>
-      <p:cxnSp>
-        <p:nvCxnSpPr>
-          <p:cNvPr id="19" name="직선 연결선 18"/>
-          <p:cNvCxnSpPr>
-            <a:stCxn id="13" idx="1"/>
-          </p:cNvCxnSpPr>
-          <p:nvPr/>
-        </p:nvCxnSpPr>
-        <p:spPr>
-          <a:xfrm flipH="1">
-            <a:off x="805003" y="927760"/>
-            <a:ext cx="218725" cy="0"/>
-          </a:xfrm>
-          <a:prstGeom prst="line">
-            <a:avLst/>
-          </a:prstGeom>
-          <a:ln>
-            <a:solidFill>
-              <a:schemeClr val="bg1">
-                <a:lumMod val="85000"/>
-              </a:schemeClr>
-            </a:solidFill>
-          </a:ln>
-        </p:spPr>
-        <p:style>
-          <a:lnRef idx="1">
-            <a:schemeClr val="accent1"/>
-          </a:lnRef>
-          <a:fillRef idx="0">
-            <a:schemeClr val="accent1"/>
-          </a:fillRef>
-          <a:effectRef idx="0">
-            <a:schemeClr val="accent1"/>
-          </a:effectRef>
-          <a:fontRef idx="minor">
-            <a:schemeClr val="tx1"/>
-          </a:fontRef>
-        </p:style>
-      </p:cxnSp>
-      <p:cxnSp>
-        <p:nvCxnSpPr>
-          <p:cNvPr id="21" name="직선 연결선 20"/>
-          <p:cNvCxnSpPr/>
-          <p:nvPr/>
-        </p:nvCxnSpPr>
-        <p:spPr>
-          <a:xfrm>
-            <a:off x="805003" y="927759"/>
-            <a:ext cx="0" cy="1730692"/>
-          </a:xfrm>
-          <a:prstGeom prst="line">
-            <a:avLst/>
-          </a:prstGeom>
-          <a:ln>
-            <a:solidFill>
-              <a:schemeClr val="bg1">
-                <a:lumMod val="85000"/>
-              </a:schemeClr>
-            </a:solidFill>
-          </a:ln>
-        </p:spPr>
-        <p:style>
-          <a:lnRef idx="1">
-            <a:schemeClr val="accent1"/>
-          </a:lnRef>
-          <a:fillRef idx="0">
-            <a:schemeClr val="accent1"/>
-          </a:fillRef>
-          <a:effectRef idx="0">
-            <a:schemeClr val="accent1"/>
-          </a:effectRef>
-          <a:fontRef idx="minor">
-            <a:schemeClr val="tx1"/>
-          </a:fontRef>
-        </p:style>
-      </p:cxnSp>
-      <p:cxnSp>
-        <p:nvCxnSpPr>
-          <p:cNvPr id="22" name="직선 연결선 21"/>
-          <p:cNvCxnSpPr/>
-          <p:nvPr/>
-        </p:nvCxnSpPr>
-        <p:spPr>
-          <a:xfrm>
-            <a:off x="805003" y="2658451"/>
-            <a:ext cx="218725" cy="1"/>
-          </a:xfrm>
-          <a:prstGeom prst="line">
-            <a:avLst/>
-          </a:prstGeom>
-          <a:ln>
-            <a:solidFill>
-              <a:schemeClr val="bg1">
-                <a:lumMod val="85000"/>
-              </a:schemeClr>
-            </a:solidFill>
-          </a:ln>
-        </p:spPr>
-        <p:style>
-          <a:lnRef idx="1">
-            <a:schemeClr val="accent1"/>
-          </a:lnRef>
-          <a:fillRef idx="0">
-            <a:schemeClr val="accent1"/>
-          </a:fillRef>
-          <a:effectRef idx="0">
-            <a:schemeClr val="accent1"/>
-          </a:effectRef>
-          <a:fontRef idx="minor">
-            <a:schemeClr val="tx1"/>
-          </a:fontRef>
-        </p:style>
-      </p:cxnSp>
-      <p:cxnSp>
-        <p:nvCxnSpPr>
-          <p:cNvPr id="23" name="직선 연결선 22"/>
-          <p:cNvCxnSpPr>
-            <a:stCxn id="12" idx="3"/>
-          </p:cNvCxnSpPr>
-          <p:nvPr/>
-        </p:nvCxnSpPr>
-        <p:spPr>
-          <a:xfrm>
-            <a:off x="584171" y="1793105"/>
-            <a:ext cx="220832" cy="0"/>
-          </a:xfrm>
-          <a:prstGeom prst="line">
-            <a:avLst/>
-          </a:prstGeom>
-          <a:ln>
-            <a:solidFill>
-              <a:schemeClr val="bg1">
-                <a:lumMod val="85000"/>
-              </a:schemeClr>
-            </a:solidFill>
-          </a:ln>
-        </p:spPr>
-        <p:style>
-          <a:lnRef idx="1">
-            <a:schemeClr val="accent1"/>
-          </a:lnRef>
-          <a:fillRef idx="0">
-            <a:schemeClr val="accent1"/>
-          </a:fillRef>
-          <a:effectRef idx="0">
-            <a:schemeClr val="accent1"/>
-          </a:effectRef>
-          <a:fontRef idx="minor">
-            <a:schemeClr val="tx1"/>
-          </a:fontRef>
-        </p:style>
-      </p:cxnSp>
-      <p:sp>
-        <p:nvSpPr>
-          <p:cNvPr id="5" name="TextBox 4"/>
-          <p:cNvSpPr txBox="1"/>
-          <p:nvPr/>
-        </p:nvSpPr>
-        <p:spPr>
-          <a:xfrm>
-            <a:off x="560551" y="4178065"/>
-            <a:ext cx="2358338" cy="646331"/>
-          </a:xfrm>
-          <a:prstGeom prst="rect">
-            <a:avLst/>
-          </a:prstGeom>
-          <a:noFill/>
-        </p:spPr>
-        <p:txBody>
-          <a:bodyPr wrap="none" rtlCol="0">
-            <a:spAutoFit/>
-          </a:bodyPr>
-          <a:lstStyle/>
-          <a:p>
-            <a:pPr algn="ctr"/>
-            <a:r>
-              <a:rPr lang="en-US" altLang="ko-KR" dirty="0" smtClean="0"/>
-              <a:t>**</a:t>
-            </a:r>
-            <a:r>
-              <a:rPr lang="ko-KR" altLang="en-US" dirty="0" smtClean="0"/>
-              <a:t>이 페이지는 </a:t>
-            </a:r>
-            <a:endParaRPr lang="en-US" altLang="ko-KR" dirty="0" smtClean="0"/>
-          </a:p>
-          <a:p>
-            <a:pPr algn="ctr"/>
-            <a:r>
-              <a:rPr lang="ko-KR" altLang="en-US" dirty="0" smtClean="0"/>
-              <a:t>시험 다 본 뒤에 나옴</a:t>
-            </a:r>
-            <a:endParaRPr lang="ko-KR" altLang="en-US" dirty="0"/>
-          </a:p>
-        </p:txBody>
-      </p:sp>
-      <p:sp>
-        <p:nvSpPr>
-          <p:cNvPr id="3" name="TextBox 2"/>
-          <p:cNvSpPr txBox="1"/>
-          <p:nvPr/>
-        </p:nvSpPr>
-        <p:spPr>
-          <a:xfrm>
-            <a:off x="6948264" y="2135231"/>
-            <a:ext cx="415498" cy="369332"/>
-          </a:xfrm>
-          <a:prstGeom prst="rect">
-            <a:avLst/>
-          </a:prstGeom>
-          <a:noFill/>
-        </p:spPr>
-        <p:txBody>
-          <a:bodyPr wrap="none" rtlCol="0">
-            <a:spAutoFit/>
-          </a:bodyPr>
-          <a:lstStyle/>
-          <a:p>
-            <a:r>
-              <a:rPr lang="ko-KR" altLang="en-US" b="1" dirty="0" err="1">
-                <a:ln w="18000">
-                  <a:solidFill>
-                    <a:schemeClr val="accent2">
-                      <a:satMod val="140000"/>
-                    </a:schemeClr>
-                  </a:solidFill>
-                  <a:prstDash val="solid"/>
-                  <a:miter lim="800000"/>
-                </a:ln>
-                <a:noFill/>
-                <a:effectLst>
-                  <a:outerShdw blurRad="25500" dist="23000" dir="7020000" algn="tl">
-                    <a:srgbClr val="000000">
-                      <a:alpha val="50000"/>
-                    </a:srgbClr>
-                  </a:outerShdw>
-                </a:effectLst>
-              </a:rPr>
-              <a:t>ㅇ</a:t>
-            </a:r>
-            <a:endParaRPr lang="ko-KR" altLang="en-US" dirty="0"/>
-          </a:p>
-        </p:txBody>
-      </p:sp>
-      <p:sp>
-        <p:nvSpPr>
-          <p:cNvPr id="24" name="TextBox 23"/>
-          <p:cNvSpPr txBox="1"/>
-          <p:nvPr/>
-        </p:nvSpPr>
-        <p:spPr>
-          <a:xfrm>
-            <a:off x="7001163" y="2627620"/>
-            <a:ext cx="309700" cy="369332"/>
-          </a:xfrm>
-          <a:prstGeom prst="rect">
-            <a:avLst/>
-          </a:prstGeom>
-          <a:noFill/>
-        </p:spPr>
-        <p:txBody>
-          <a:bodyPr wrap="none" rtlCol="0">
-            <a:spAutoFit/>
-          </a:bodyPr>
-          <a:lstStyle/>
-          <a:p>
-            <a:r>
-              <a:rPr lang="en-US" altLang="ko-KR" b="1" dirty="0">
-                <a:ln w="18000">
-                  <a:solidFill>
-                    <a:schemeClr val="accent2">
-                      <a:satMod val="140000"/>
-                    </a:schemeClr>
-                  </a:solidFill>
-                  <a:prstDash val="solid"/>
-                  <a:miter lim="800000"/>
-                </a:ln>
-                <a:noFill/>
-                <a:effectLst>
-                  <a:outerShdw blurRad="25500" dist="23000" dir="7020000" algn="tl">
-                    <a:srgbClr val="000000">
-                      <a:alpha val="50000"/>
-                    </a:srgbClr>
-                  </a:outerShdw>
-                </a:effectLst>
-              </a:rPr>
-              <a:t>x</a:t>
-            </a:r>
-            <a:endParaRPr lang="ko-KR" altLang="en-US" dirty="0"/>
-          </a:p>
-        </p:txBody>
-      </p:sp>
-      <p:sp>
-        <p:nvSpPr>
-          <p:cNvPr id="25" name="TextBox 24"/>
-          <p:cNvSpPr txBox="1"/>
-          <p:nvPr/>
-        </p:nvSpPr>
-        <p:spPr>
-          <a:xfrm>
-            <a:off x="7001163" y="3244334"/>
-            <a:ext cx="309700" cy="369332"/>
-          </a:xfrm>
-          <a:prstGeom prst="rect">
-            <a:avLst/>
-          </a:prstGeom>
-          <a:noFill/>
-        </p:spPr>
-        <p:txBody>
-          <a:bodyPr wrap="none" rtlCol="0">
-            <a:spAutoFit/>
-          </a:bodyPr>
-          <a:lstStyle/>
-          <a:p>
-            <a:r>
-              <a:rPr lang="en-US" altLang="ko-KR" b="1" dirty="0">
-                <a:ln w="18000">
-                  <a:solidFill>
-                    <a:schemeClr val="accent2">
-                      <a:satMod val="140000"/>
-                    </a:schemeClr>
-                  </a:solidFill>
-                  <a:prstDash val="solid"/>
-                  <a:miter lim="800000"/>
-                </a:ln>
-                <a:noFill/>
-                <a:effectLst>
-                  <a:outerShdw blurRad="25500" dist="23000" dir="7020000" algn="tl">
-                    <a:srgbClr val="000000">
-                      <a:alpha val="50000"/>
-                    </a:srgbClr>
-                  </a:outerShdw>
-                </a:effectLst>
-              </a:rPr>
-              <a:t>x</a:t>
-            </a:r>
-            <a:endParaRPr lang="ko-KR" altLang="en-US" dirty="0"/>
-          </a:p>
-        </p:txBody>
-      </p:sp>
-      <p:sp>
-        <p:nvSpPr>
-          <p:cNvPr id="26" name="TextBox 25"/>
-          <p:cNvSpPr txBox="1"/>
-          <p:nvPr/>
-        </p:nvSpPr>
-        <p:spPr>
-          <a:xfrm>
-            <a:off x="6948264" y="3778551"/>
-            <a:ext cx="415498" cy="369332"/>
-          </a:xfrm>
-          <a:prstGeom prst="rect">
-            <a:avLst/>
-          </a:prstGeom>
-          <a:noFill/>
-        </p:spPr>
-        <p:txBody>
-          <a:bodyPr wrap="none" rtlCol="0">
-            <a:spAutoFit/>
-          </a:bodyPr>
-          <a:lstStyle/>
-          <a:p>
-            <a:r>
-              <a:rPr lang="ko-KR" altLang="en-US" b="1" dirty="0" err="1">
-                <a:ln w="18000">
-                  <a:solidFill>
-                    <a:schemeClr val="accent2">
-                      <a:satMod val="140000"/>
-                    </a:schemeClr>
-                  </a:solidFill>
-                  <a:prstDash val="solid"/>
-                  <a:miter lim="800000"/>
-                </a:ln>
-                <a:noFill/>
-                <a:effectLst>
-                  <a:outerShdw blurRad="25500" dist="23000" dir="7020000" algn="tl">
-                    <a:srgbClr val="000000">
-                      <a:alpha val="50000"/>
-                    </a:srgbClr>
-                  </a:outerShdw>
-                </a:effectLst>
-              </a:rPr>
-              <a:t>ㅇ</a:t>
-            </a:r>
-            <a:endParaRPr lang="ko-KR" altLang="en-US" dirty="0"/>
-          </a:p>
-        </p:txBody>
-      </p:sp>
-      <p:sp>
-        <p:nvSpPr>
-          <p:cNvPr id="27" name="TextBox 26"/>
-          <p:cNvSpPr txBox="1"/>
-          <p:nvPr/>
-        </p:nvSpPr>
-        <p:spPr>
-          <a:xfrm>
-            <a:off x="6948264" y="4857479"/>
-            <a:ext cx="415498" cy="369332"/>
-          </a:xfrm>
-          <a:prstGeom prst="rect">
-            <a:avLst/>
-          </a:prstGeom>
-          <a:noFill/>
-        </p:spPr>
-        <p:txBody>
-          <a:bodyPr wrap="none" rtlCol="0">
-            <a:spAutoFit/>
-          </a:bodyPr>
-          <a:lstStyle/>
-          <a:p>
-            <a:r>
-              <a:rPr lang="ko-KR" altLang="en-US" b="1" dirty="0" err="1">
-                <a:ln w="18000">
-                  <a:solidFill>
-                    <a:schemeClr val="accent2">
-                      <a:satMod val="140000"/>
-                    </a:schemeClr>
-                  </a:solidFill>
-                  <a:prstDash val="solid"/>
-                  <a:miter lim="800000"/>
-                </a:ln>
-                <a:noFill/>
-                <a:effectLst>
-                  <a:outerShdw blurRad="25500" dist="23000" dir="7020000" algn="tl">
-                    <a:srgbClr val="000000">
-                      <a:alpha val="50000"/>
-                    </a:srgbClr>
-                  </a:outerShdw>
-                </a:effectLst>
-              </a:rPr>
-              <a:t>ㅇ</a:t>
-            </a:r>
-            <a:endParaRPr lang="ko-KR" altLang="en-US" dirty="0"/>
-          </a:p>
-        </p:txBody>
-      </p:sp>
-      <p:sp>
-        <p:nvSpPr>
-          <p:cNvPr id="28" name="TextBox 27"/>
-          <p:cNvSpPr txBox="1"/>
-          <p:nvPr/>
-        </p:nvSpPr>
-        <p:spPr>
-          <a:xfrm>
-            <a:off x="6948264" y="5373216"/>
-            <a:ext cx="415498" cy="369332"/>
-          </a:xfrm>
-          <a:prstGeom prst="rect">
-            <a:avLst/>
-          </a:prstGeom>
-          <a:noFill/>
-        </p:spPr>
-        <p:txBody>
-          <a:bodyPr wrap="none" rtlCol="0">
-            <a:spAutoFit/>
-          </a:bodyPr>
-          <a:lstStyle/>
-          <a:p>
-            <a:r>
-              <a:rPr lang="ko-KR" altLang="en-US" b="1" dirty="0" err="1">
-                <a:ln w="18000">
-                  <a:solidFill>
-                    <a:schemeClr val="accent2">
-                      <a:satMod val="140000"/>
-                    </a:schemeClr>
-                  </a:solidFill>
-                  <a:prstDash val="solid"/>
-                  <a:miter lim="800000"/>
-                </a:ln>
-                <a:noFill/>
-                <a:effectLst>
-                  <a:outerShdw blurRad="25500" dist="23000" dir="7020000" algn="tl">
-                    <a:srgbClr val="000000">
-                      <a:alpha val="50000"/>
-                    </a:srgbClr>
-                  </a:outerShdw>
-                </a:effectLst>
-              </a:rPr>
-              <a:t>ㅇ</a:t>
-            </a:r>
-            <a:endParaRPr lang="ko-KR" altLang="en-US" dirty="0"/>
-          </a:p>
-        </p:txBody>
-      </p:sp>
-      <p:sp>
-        <p:nvSpPr>
-          <p:cNvPr id="29" name="TextBox 28"/>
-          <p:cNvSpPr txBox="1"/>
-          <p:nvPr/>
-        </p:nvSpPr>
-        <p:spPr>
-          <a:xfrm>
-            <a:off x="7001163" y="4316564"/>
-            <a:ext cx="309700" cy="369332"/>
-          </a:xfrm>
-          <a:prstGeom prst="rect">
-            <a:avLst/>
-          </a:prstGeom>
-          <a:noFill/>
-        </p:spPr>
-        <p:txBody>
-          <a:bodyPr wrap="none" rtlCol="0">
-            <a:spAutoFit/>
-          </a:bodyPr>
-          <a:lstStyle/>
-          <a:p>
-            <a:r>
-              <a:rPr lang="en-US" altLang="ko-KR" b="1" dirty="0">
-                <a:ln w="18000">
-                  <a:solidFill>
-                    <a:schemeClr val="accent2">
-                      <a:satMod val="140000"/>
-                    </a:schemeClr>
-                  </a:solidFill>
-                  <a:prstDash val="solid"/>
-                  <a:miter lim="800000"/>
-                </a:ln>
-                <a:noFill/>
-                <a:effectLst>
-                  <a:outerShdw blurRad="25500" dist="23000" dir="7020000" algn="tl">
-                    <a:srgbClr val="000000">
-                      <a:alpha val="50000"/>
-                    </a:srgbClr>
-                  </a:outerShdw>
-                </a:effectLst>
-              </a:rPr>
-              <a:t>x</a:t>
-            </a:r>
-            <a:endParaRPr lang="ko-KR" altLang="en-US" dirty="0"/>
-          </a:p>
-        </p:txBody>
-      </p:sp>
-    </p:spTree>
-    <p:extLst>
-      <p:ext uri="{BB962C8B-B14F-4D97-AF65-F5344CB8AC3E}">
-        <p14:creationId xmlns:p14="http://schemas.microsoft.com/office/powerpoint/2010/main" val="331806378"/>
-      </p:ext>
-    </p:extLst>
-  </p:cSld>
-  <p:clrMapOvr>
-    <a:masterClrMapping/>
-  </p:clrMapOvr>
-  <p:timing>
-    <p:tnLst>
-      <p:par>
-        <p:cTn id="1" dur="indefinite" restart="never" nodeType="tmRoot">
-          <p:childTnLst>
-            <p:seq concurrent="1" nextAc="seek">
-              <p:cTn id="2" dur="indefinite" nodeType="mainSeq">
-                <p:childTnLst>
-                  <p:par>
-                    <p:cTn id="3" fill="hold">
-                      <p:stCondLst>
-                        <p:cond delay="indefinite"/>
-                      </p:stCondLst>
-                      <p:childTnLst>
-                        <p:par>
-                          <p:cTn id="4" fill="hold">
-                            <p:stCondLst>
-                              <p:cond delay="0"/>
-                            </p:stCondLst>
-                            <p:childTnLst>
-                              <p:par>
-                                <p:cTn id="5" presetID="3" presetClass="emph" presetSubtype="2" fill="hold" grpId="0" nodeType="clickEffect">
-                                  <p:stCondLst>
-                                    <p:cond delay="0"/>
-                                  </p:stCondLst>
-                                  <p:childTnLst>
-                                    <p:animClr clrSpc="rgb" dir="cw">
-                                      <p:cBhvr override="childStyle">
-                                        <p:cTn id="6" dur="2000" fill="hold"/>
-                                        <p:tgtEl>
-                                          <p:spTgt spid="12"/>
-                                        </p:tgtEl>
-                                        <p:attrNameLst>
-                                          <p:attrName>style.color</p:attrName>
-                                        </p:attrNameLst>
-                                      </p:cBhvr>
-                                      <p:to>
-                                        <a:schemeClr val="accent2"/>
-                                      </p:to>
-                                    </p:animClr>
-                                  </p:childTnLst>
-                                </p:cTn>
-                              </p:par>
-                            </p:childTnLst>
-                          </p:cTn>
-                        </p:par>
-                      </p:childTnLst>
-                    </p:cTn>
-                  </p:par>
-                </p:childTnLst>
-              </p:cTn>
-              <p:prevCondLst>
-                <p:cond evt="onPrev" delay="0">
-                  <p:tgtEl>
-                    <p:sldTgt/>
-                  </p:tgtEl>
-                </p:cond>
-              </p:prevCondLst>
-              <p:nextCondLst>
-                <p:cond evt="onNext" delay="0">
-                  <p:tgtEl>
-                    <p:sldTgt/>
-                  </p:tgtEl>
-                </p:cond>
-              </p:nextCondLst>
-            </p:seq>
-          </p:childTnLst>
-        </p:cTn>
-      </p:par>
-    </p:tnLst>
-    <p:bldLst>
-      <p:bldP spid="12" grpId="0"/>
-    </p:bldLst>
-  </p:timing>
-</p:sld>
-</file>
-
-<file path=ppt/slides/slide9.xml><?xml version="1.0" encoding="utf-8"?>
-<p:sld xmlns:a="http://schemas.openxmlformats.org/drawingml/2006/main" xmlns:r="http://schemas.openxmlformats.org/officeDocument/2006/relationships" xmlns:p="http://schemas.openxmlformats.org/presentationml/2006/main">
-  <p:cSld>
-    <p:spTree>
-      <p:nvGrpSpPr>
-        <p:cNvPr id="1" name=""/>
-        <p:cNvGrpSpPr/>
-        <p:nvPr/>
-      </p:nvGrpSpPr>
-      <p:grpSpPr>
-        <a:xfrm>
-          <a:off x="0" y="0"/>
-          <a:ext cx="0" cy="0"/>
-          <a:chOff x="0" y="0"/>
-          <a:chExt cx="0" cy="0"/>
-        </a:xfrm>
-      </p:grpSpPr>
-      <p:sp>
-        <p:nvSpPr>
-          <p:cNvPr id="4" name="직사각형 3"/>
-          <p:cNvSpPr/>
-          <p:nvPr/>
-        </p:nvSpPr>
-        <p:spPr>
-          <a:xfrm>
-            <a:off x="3707904" y="620688"/>
-            <a:ext cx="4248472" cy="5616624"/>
-          </a:xfrm>
-          <a:prstGeom prst="rect">
-            <a:avLst/>
-          </a:prstGeom>
-          <a:solidFill>
-            <a:schemeClr val="bg1"/>
-          </a:solidFill>
-        </p:spPr>
-        <p:style>
-          <a:lnRef idx="2">
-            <a:schemeClr val="accent1">
-              <a:shade val="50000"/>
-            </a:schemeClr>
-          </a:lnRef>
-          <a:fillRef idx="1">
-            <a:schemeClr val="accent1"/>
-          </a:fillRef>
-          <a:effectRef idx="0">
-            <a:schemeClr val="accent1"/>
-          </a:effectRef>
-          <a:fontRef idx="minor">
-            <a:schemeClr val="lt1"/>
-          </a:fontRef>
-        </p:style>
-        <p:txBody>
-          <a:bodyPr rtlCol="0" anchor="ctr"/>
-          <a:lstStyle/>
-          <a:p>
-            <a:pPr algn="ctr"/>
-            <a:endParaRPr lang="ko-KR" altLang="en-US"/>
-          </a:p>
-        </p:txBody>
-      </p:sp>
       <p:grpSp>
         <p:nvGrpSpPr>
           <p:cNvPr id="10" name="그룹 9"/>
@@ -15776,7 +13178,7 @@
         </p:nvGrpSpPr>
         <p:grpSpPr>
           <a:xfrm>
-            <a:off x="4282471" y="2060848"/>
+            <a:off x="4354479" y="2060848"/>
             <a:ext cx="1368152" cy="423059"/>
             <a:chOff x="2172970" y="1596"/>
             <a:chExt cx="1447350" cy="723675"/>
@@ -15899,7 +13301,7 @@
         </p:nvGrpSpPr>
         <p:grpSpPr>
           <a:xfrm>
-            <a:off x="4282472" y="3798029"/>
+            <a:off x="4354480" y="3798029"/>
             <a:ext cx="1368152" cy="423059"/>
             <a:chOff x="2172970" y="1596"/>
             <a:chExt cx="1447350" cy="723675"/>
@@ -16023,7 +13425,7 @@
         </p:nvGrpSpPr>
         <p:grpSpPr>
           <a:xfrm>
-            <a:off x="4282470" y="4950157"/>
+            <a:off x="4354478" y="4950157"/>
             <a:ext cx="1368152" cy="423059"/>
             <a:chOff x="2172970" y="1596"/>
             <a:chExt cx="1447350" cy="723675"/>
@@ -16164,7 +13566,7 @@
         </p:blipFill>
         <p:spPr bwMode="auto">
           <a:xfrm>
-            <a:off x="7382226" y="703129"/>
+            <a:off x="7454234" y="703129"/>
             <a:ext cx="493624" cy="493624"/>
           </a:xfrm>
           <a:prstGeom prst="rect">
@@ -16190,7 +13592,7 @@
         </p:nvSpPr>
         <p:spPr>
           <a:xfrm>
-            <a:off x="4210462" y="2708920"/>
+            <a:off x="4282470" y="2708920"/>
             <a:ext cx="2952328" cy="646331"/>
           </a:xfrm>
           <a:prstGeom prst="rect">
@@ -16242,7 +13644,7 @@
         </p:nvSpPr>
         <p:spPr>
           <a:xfrm>
-            <a:off x="4210464" y="4355812"/>
+            <a:off x="4282472" y="4355812"/>
             <a:ext cx="2880320" cy="369332"/>
           </a:xfrm>
           <a:prstGeom prst="rect">
@@ -16276,7 +13678,7 @@
         </p:nvSpPr>
         <p:spPr>
           <a:xfrm>
-            <a:off x="4680012" y="1258178"/>
+            <a:off x="4752020" y="1258178"/>
             <a:ext cx="2304256" cy="576064"/>
           </a:xfrm>
           <a:prstGeom prst="rect">
@@ -16346,7 +13748,7 @@
         </p:blipFill>
         <p:spPr bwMode="auto">
           <a:xfrm>
-            <a:off x="3729481" y="655997"/>
+            <a:off x="3801489" y="655997"/>
             <a:ext cx="913029" cy="684771"/>
           </a:xfrm>
           <a:prstGeom prst="rect">
@@ -16874,6 +14276,1177 @@
     </p:tnLst>
     <p:bldLst>
       <p:bldP spid="19" grpId="0"/>
+    </p:bldLst>
+  </p:timing>
+</p:sld>
+</file>
+
+<file path=ppt/slides/slide9.xml><?xml version="1.0" encoding="utf-8"?>
+<p:sld xmlns:a="http://schemas.openxmlformats.org/drawingml/2006/main" xmlns:r="http://schemas.openxmlformats.org/officeDocument/2006/relationships" xmlns:p="http://schemas.openxmlformats.org/presentationml/2006/main">
+  <p:cSld>
+    <p:spTree>
+      <p:nvGrpSpPr>
+        <p:cNvPr id="1" name=""/>
+        <p:cNvGrpSpPr/>
+        <p:nvPr/>
+      </p:nvGrpSpPr>
+      <p:grpSpPr>
+        <a:xfrm>
+          <a:off x="0" y="0"/>
+          <a:ext cx="0" cy="0"/>
+          <a:chOff x="0" y="0"/>
+          <a:chExt cx="0" cy="0"/>
+        </a:xfrm>
+      </p:grpSpPr>
+      <p:sp>
+        <p:nvSpPr>
+          <p:cNvPr id="4" name="직사각형 3"/>
+          <p:cNvSpPr/>
+          <p:nvPr/>
+        </p:nvSpPr>
+        <p:spPr>
+          <a:xfrm>
+            <a:off x="3779912" y="620688"/>
+            <a:ext cx="4248472" cy="5616624"/>
+          </a:xfrm>
+          <a:prstGeom prst="rect">
+            <a:avLst/>
+          </a:prstGeom>
+          <a:solidFill>
+            <a:schemeClr val="bg1"/>
+          </a:solidFill>
+        </p:spPr>
+        <p:style>
+          <a:lnRef idx="2">
+            <a:schemeClr val="accent1">
+              <a:shade val="50000"/>
+            </a:schemeClr>
+          </a:lnRef>
+          <a:fillRef idx="1">
+            <a:schemeClr val="accent1"/>
+          </a:fillRef>
+          <a:effectRef idx="0">
+            <a:schemeClr val="accent1"/>
+          </a:effectRef>
+          <a:fontRef idx="minor">
+            <a:schemeClr val="lt1"/>
+          </a:fontRef>
+        </p:style>
+        <p:txBody>
+          <a:bodyPr rtlCol="0" anchor="ctr"/>
+          <a:lstStyle/>
+          <a:p>
+            <a:pPr algn="ctr"/>
+            <a:endParaRPr lang="ko-KR" altLang="en-US"/>
+          </a:p>
+        </p:txBody>
+      </p:sp>
+      <p:grpSp>
+        <p:nvGrpSpPr>
+          <p:cNvPr id="7" name="그룹 6"/>
+          <p:cNvGrpSpPr/>
+          <p:nvPr/>
+        </p:nvGrpSpPr>
+        <p:grpSpPr>
+          <a:xfrm>
+            <a:off x="4354480" y="4086061"/>
+            <a:ext cx="936102" cy="423059"/>
+            <a:chOff x="2172970" y="1596"/>
+            <a:chExt cx="1447350" cy="723675"/>
+          </a:xfrm>
+        </p:grpSpPr>
+        <p:sp>
+          <p:nvSpPr>
+            <p:cNvPr id="8" name="모서리가 둥근 직사각형 7"/>
+            <p:cNvSpPr/>
+            <p:nvPr/>
+          </p:nvSpPr>
+          <p:spPr>
+            <a:xfrm>
+              <a:off x="2172970" y="1596"/>
+              <a:ext cx="1447350" cy="723675"/>
+            </a:xfrm>
+            <a:prstGeom prst="roundRect">
+              <a:avLst>
+                <a:gd name="adj" fmla="val 10000"/>
+              </a:avLst>
+            </a:prstGeom>
+          </p:spPr>
+          <p:style>
+            <a:lnRef idx="2">
+              <a:schemeClr val="lt1">
+                <a:hueOff val="0"/>
+                <a:satOff val="0"/>
+                <a:lumOff val="0"/>
+                <a:alphaOff val="0"/>
+              </a:schemeClr>
+            </a:lnRef>
+            <a:fillRef idx="1">
+              <a:schemeClr val="accent1">
+                <a:hueOff val="0"/>
+                <a:satOff val="0"/>
+                <a:lumOff val="0"/>
+                <a:alphaOff val="0"/>
+              </a:schemeClr>
+            </a:fillRef>
+            <a:effectRef idx="0">
+              <a:schemeClr val="accent1">
+                <a:hueOff val="0"/>
+                <a:satOff val="0"/>
+                <a:lumOff val="0"/>
+                <a:alphaOff val="0"/>
+              </a:schemeClr>
+            </a:effectRef>
+            <a:fontRef idx="minor">
+              <a:schemeClr val="lt1"/>
+            </a:fontRef>
+          </p:style>
+          <p:txBody>
+            <a:bodyPr/>
+            <a:lstStyle/>
+            <a:p>
+              <a:r>
+                <a:rPr lang="ko-KR" altLang="en-US" dirty="0" smtClean="0"/>
+                <a:t>개발</a:t>
+              </a:r>
+              <a:r>
+                <a:rPr lang="ko-KR" altLang="en-US" dirty="0"/>
+                <a:t>자</a:t>
+              </a:r>
+            </a:p>
+          </p:txBody>
+        </p:sp>
+        <p:sp>
+          <p:nvSpPr>
+            <p:cNvPr id="9" name="모서리가 둥근 직사각형 4"/>
+            <p:cNvSpPr/>
+            <p:nvPr/>
+          </p:nvSpPr>
+          <p:spPr>
+            <a:xfrm>
+              <a:off x="2194166" y="22792"/>
+              <a:ext cx="1404958" cy="681283"/>
+            </a:xfrm>
+            <a:prstGeom prst="rect">
+              <a:avLst/>
+            </a:prstGeom>
+          </p:spPr>
+          <p:style>
+            <a:lnRef idx="0">
+              <a:scrgbClr r="0" g="0" b="0"/>
+            </a:lnRef>
+            <a:fillRef idx="0">
+              <a:scrgbClr r="0" g="0" b="0"/>
+            </a:fillRef>
+            <a:effectRef idx="0">
+              <a:scrgbClr r="0" g="0" b="0"/>
+            </a:effectRef>
+            <a:fontRef idx="minor">
+              <a:schemeClr val="lt1"/>
+            </a:fontRef>
+          </p:style>
+          <p:txBody>
+            <a:bodyPr spcFirstLastPara="0" vert="horz" wrap="square" lIns="55245" tIns="36830" rIns="55245" bIns="36830" numCol="1" spcCol="1270" anchor="ctr" anchorCtr="0">
+              <a:noAutofit/>
+            </a:bodyPr>
+            <a:lstStyle/>
+            <a:p>
+              <a:pPr lvl="0" algn="ctr" defTabSz="1289050" latinLnBrk="1">
+                <a:lnSpc>
+                  <a:spcPct val="90000"/>
+                </a:lnSpc>
+                <a:spcBef>
+                  <a:spcPct val="0"/>
+                </a:spcBef>
+                <a:spcAft>
+                  <a:spcPct val="35000"/>
+                </a:spcAft>
+              </a:pPr>
+              <a:endParaRPr lang="ko-KR" altLang="en-US" sz="2900" kern="1200"/>
+            </a:p>
+          </p:txBody>
+        </p:sp>
+      </p:grpSp>
+      <p:sp>
+        <p:nvSpPr>
+          <p:cNvPr id="14" name="모서리가 둥근 직사각형 13"/>
+          <p:cNvSpPr/>
+          <p:nvPr/>
+        </p:nvSpPr>
+        <p:spPr>
+          <a:xfrm>
+            <a:off x="4569483" y="4653136"/>
+            <a:ext cx="2669329" cy="1431171"/>
+          </a:xfrm>
+          <a:prstGeom prst="roundRect">
+            <a:avLst>
+              <a:gd name="adj" fmla="val 10000"/>
+            </a:avLst>
+          </a:prstGeom>
+        </p:spPr>
+        <p:style>
+          <a:lnRef idx="2">
+            <a:schemeClr val="accent1">
+              <a:hueOff val="0"/>
+              <a:satOff val="0"/>
+              <a:lumOff val="0"/>
+              <a:alphaOff val="0"/>
+            </a:schemeClr>
+          </a:lnRef>
+          <a:fillRef idx="1">
+            <a:schemeClr val="lt1">
+              <a:alpha val="90000"/>
+              <a:hueOff val="0"/>
+              <a:satOff val="0"/>
+              <a:lumOff val="0"/>
+              <a:alphaOff val="0"/>
+            </a:schemeClr>
+          </a:fillRef>
+          <a:effectRef idx="0">
+            <a:schemeClr val="lt1">
+              <a:alpha val="90000"/>
+              <a:hueOff val="0"/>
+              <a:satOff val="0"/>
+              <a:lumOff val="0"/>
+              <a:alphaOff val="0"/>
+            </a:schemeClr>
+          </a:effectRef>
+          <a:fontRef idx="minor">
+            <a:schemeClr val="dk1">
+              <a:hueOff val="0"/>
+              <a:satOff val="0"/>
+              <a:lumOff val="0"/>
+              <a:alphaOff val="0"/>
+            </a:schemeClr>
+          </a:fontRef>
+        </p:style>
+        <p:txBody>
+          <a:bodyPr/>
+          <a:lstStyle/>
+          <a:p>
+            <a:endParaRPr lang="ko-KR" altLang="en-US" dirty="0"/>
+          </a:p>
+        </p:txBody>
+      </p:sp>
+      <p:sp>
+        <p:nvSpPr>
+          <p:cNvPr id="15" name="모서리가 둥근 직사각형 14"/>
+          <p:cNvSpPr/>
+          <p:nvPr/>
+        </p:nvSpPr>
+        <p:spPr>
+          <a:xfrm>
+            <a:off x="4569483" y="2501885"/>
+            <a:ext cx="2669329" cy="1431171"/>
+          </a:xfrm>
+          <a:prstGeom prst="roundRect">
+            <a:avLst>
+              <a:gd name="adj" fmla="val 10000"/>
+            </a:avLst>
+          </a:prstGeom>
+        </p:spPr>
+        <p:style>
+          <a:lnRef idx="2">
+            <a:schemeClr val="accent1">
+              <a:hueOff val="0"/>
+              <a:satOff val="0"/>
+              <a:lumOff val="0"/>
+              <a:alphaOff val="0"/>
+            </a:schemeClr>
+          </a:lnRef>
+          <a:fillRef idx="1">
+            <a:schemeClr val="lt1">
+              <a:alpha val="90000"/>
+              <a:hueOff val="0"/>
+              <a:satOff val="0"/>
+              <a:lumOff val="0"/>
+              <a:alphaOff val="0"/>
+            </a:schemeClr>
+          </a:fillRef>
+          <a:effectRef idx="0">
+            <a:schemeClr val="lt1">
+              <a:alpha val="90000"/>
+              <a:hueOff val="0"/>
+              <a:satOff val="0"/>
+              <a:lumOff val="0"/>
+              <a:alphaOff val="0"/>
+            </a:schemeClr>
+          </a:effectRef>
+          <a:fontRef idx="minor">
+            <a:schemeClr val="dk1">
+              <a:hueOff val="0"/>
+              <a:satOff val="0"/>
+              <a:lumOff val="0"/>
+              <a:alphaOff val="0"/>
+            </a:schemeClr>
+          </a:fontRef>
+        </p:style>
+        <p:txBody>
+          <a:bodyPr/>
+          <a:lstStyle/>
+          <a:p>
+            <a:endParaRPr lang="ko-KR" altLang="en-US" dirty="0"/>
+          </a:p>
+        </p:txBody>
+      </p:sp>
+      <p:pic>
+        <p:nvPicPr>
+          <p:cNvPr id="1026" name="Picture 2" descr="C:\Users\hyoo\Desktop\마이드림카-12.png"/>
+          <p:cNvPicPr>
+            <a:picLocks noChangeAspect="1" noChangeArrowheads="1"/>
+          </p:cNvPicPr>
+          <p:nvPr/>
+        </p:nvPicPr>
+        <p:blipFill>
+          <a:blip r:embed="rId2">
+            <a:extLst>
+              <a:ext uri="{28A0092B-C50C-407E-A947-70E740481C1C}">
+                <a14:useLocalDpi xmlns:a14="http://schemas.microsoft.com/office/drawing/2010/main" val="0"/>
+              </a:ext>
+            </a:extLst>
+          </a:blip>
+          <a:srcRect/>
+          <a:stretch>
+            <a:fillRect/>
+          </a:stretch>
+        </p:blipFill>
+        <p:spPr bwMode="auto">
+          <a:xfrm>
+            <a:off x="4964822" y="2852936"/>
+            <a:ext cx="685800" cy="685800"/>
+          </a:xfrm>
+          <a:prstGeom prst="rect">
+            <a:avLst/>
+          </a:prstGeom>
+          <a:noFill/>
+          <a:extLst>
+            <a:ext uri="{909E8E84-426E-40DD-AFC4-6F175D3DCCD1}">
+              <a14:hiddenFill xmlns:a14="http://schemas.microsoft.com/office/drawing/2010/main">
+                <a:solidFill>
+                  <a:srgbClr val="FFFFFF"/>
+                </a:solidFill>
+              </a14:hiddenFill>
+            </a:ext>
+          </a:extLst>
+        </p:spPr>
+      </p:pic>
+      <p:pic>
+        <p:nvPicPr>
+          <p:cNvPr id="1027" name="Picture 3" descr="C:\Users\hyoo\Desktop\마이드림카-07.png"/>
+          <p:cNvPicPr>
+            <a:picLocks noChangeAspect="1" noChangeArrowheads="1"/>
+          </p:cNvPicPr>
+          <p:nvPr/>
+        </p:nvPicPr>
+        <p:blipFill>
+          <a:blip r:embed="rId3">
+            <a:extLst>
+              <a:ext uri="{28A0092B-C50C-407E-A947-70E740481C1C}">
+                <a14:useLocalDpi xmlns:a14="http://schemas.microsoft.com/office/drawing/2010/main" val="0"/>
+              </a:ext>
+            </a:extLst>
+          </a:blip>
+          <a:srcRect/>
+          <a:stretch>
+            <a:fillRect/>
+          </a:stretch>
+        </p:blipFill>
+        <p:spPr bwMode="auto">
+          <a:xfrm>
+            <a:off x="6154678" y="2852936"/>
+            <a:ext cx="685800" cy="685800"/>
+          </a:xfrm>
+          <a:prstGeom prst="rect">
+            <a:avLst/>
+          </a:prstGeom>
+          <a:noFill/>
+          <a:extLst>
+            <a:ext uri="{909E8E84-426E-40DD-AFC4-6F175D3DCCD1}">
+              <a14:hiddenFill xmlns:a14="http://schemas.microsoft.com/office/drawing/2010/main">
+                <a:solidFill>
+                  <a:srgbClr val="FFFFFF"/>
+                </a:solidFill>
+              </a14:hiddenFill>
+            </a:ext>
+          </a:extLst>
+        </p:spPr>
+      </p:pic>
+      <p:sp>
+        <p:nvSpPr>
+          <p:cNvPr id="21" name="직사각형 20"/>
+          <p:cNvSpPr/>
+          <p:nvPr/>
+        </p:nvSpPr>
+        <p:spPr>
+          <a:xfrm>
+            <a:off x="4752020" y="1258178"/>
+            <a:ext cx="2304256" cy="576064"/>
+          </a:xfrm>
+          <a:prstGeom prst="rect">
+            <a:avLst/>
+          </a:prstGeom>
+          <a:solidFill>
+            <a:schemeClr val="bg1"/>
+          </a:solidFill>
+        </p:spPr>
+        <p:style>
+          <a:lnRef idx="2">
+            <a:schemeClr val="accent1">
+              <a:shade val="50000"/>
+            </a:schemeClr>
+          </a:lnRef>
+          <a:fillRef idx="1">
+            <a:schemeClr val="accent1"/>
+          </a:fillRef>
+          <a:effectRef idx="0">
+            <a:schemeClr val="accent1"/>
+          </a:effectRef>
+          <a:fontRef idx="minor">
+            <a:schemeClr val="lt1"/>
+          </a:fontRef>
+        </p:style>
+        <p:txBody>
+          <a:bodyPr rtlCol="0" anchor="ctr"/>
+          <a:lstStyle/>
+          <a:p>
+            <a:pPr algn="ctr"/>
+            <a:r>
+              <a:rPr lang="ko-KR" altLang="en-US" dirty="0" smtClean="0">
+                <a:solidFill>
+                  <a:schemeClr val="tx1"/>
+                </a:solidFill>
+              </a:rPr>
+              <a:t>설정</a:t>
+            </a:r>
+            <a:endParaRPr lang="ko-KR" altLang="en-US" dirty="0">
+              <a:solidFill>
+                <a:schemeClr val="tx1"/>
+              </a:solidFill>
+            </a:endParaRPr>
+          </a:p>
+        </p:txBody>
+      </p:sp>
+      <p:grpSp>
+        <p:nvGrpSpPr>
+          <p:cNvPr id="22" name="그룹 21"/>
+          <p:cNvGrpSpPr/>
+          <p:nvPr/>
+        </p:nvGrpSpPr>
+        <p:grpSpPr>
+          <a:xfrm>
+            <a:off x="4354478" y="1988840"/>
+            <a:ext cx="936102" cy="423059"/>
+            <a:chOff x="2172970" y="1596"/>
+            <a:chExt cx="1447350" cy="723675"/>
+          </a:xfrm>
+        </p:grpSpPr>
+        <p:sp>
+          <p:nvSpPr>
+            <p:cNvPr id="23" name="모서리가 둥근 직사각형 22"/>
+            <p:cNvSpPr/>
+            <p:nvPr/>
+          </p:nvSpPr>
+          <p:spPr>
+            <a:xfrm>
+              <a:off x="2172970" y="1596"/>
+              <a:ext cx="1447350" cy="723675"/>
+            </a:xfrm>
+            <a:prstGeom prst="roundRect">
+              <a:avLst>
+                <a:gd name="adj" fmla="val 10000"/>
+              </a:avLst>
+            </a:prstGeom>
+          </p:spPr>
+          <p:style>
+            <a:lnRef idx="2">
+              <a:schemeClr val="lt1">
+                <a:hueOff val="0"/>
+                <a:satOff val="0"/>
+                <a:lumOff val="0"/>
+                <a:alphaOff val="0"/>
+              </a:schemeClr>
+            </a:lnRef>
+            <a:fillRef idx="1">
+              <a:schemeClr val="accent1">
+                <a:hueOff val="0"/>
+                <a:satOff val="0"/>
+                <a:lumOff val="0"/>
+                <a:alphaOff val="0"/>
+              </a:schemeClr>
+            </a:fillRef>
+            <a:effectRef idx="0">
+              <a:schemeClr val="accent1">
+                <a:hueOff val="0"/>
+                <a:satOff val="0"/>
+                <a:lumOff val="0"/>
+                <a:alphaOff val="0"/>
+              </a:schemeClr>
+            </a:effectRef>
+            <a:fontRef idx="minor">
+              <a:schemeClr val="lt1"/>
+            </a:fontRef>
+          </p:style>
+          <p:txBody>
+            <a:bodyPr/>
+            <a:lstStyle/>
+            <a:p>
+              <a:pPr algn="ctr"/>
+              <a:r>
+                <a:rPr lang="ko-KR" altLang="en-US" dirty="0" smtClean="0"/>
+                <a:t>설</a:t>
+              </a:r>
+              <a:r>
+                <a:rPr lang="ko-KR" altLang="en-US" dirty="0"/>
+                <a:t>정</a:t>
+              </a:r>
+            </a:p>
+          </p:txBody>
+        </p:sp>
+        <p:sp>
+          <p:nvSpPr>
+            <p:cNvPr id="24" name="모서리가 둥근 직사각형 4"/>
+            <p:cNvSpPr/>
+            <p:nvPr/>
+          </p:nvSpPr>
+          <p:spPr>
+            <a:xfrm>
+              <a:off x="2194166" y="22792"/>
+              <a:ext cx="1404958" cy="681283"/>
+            </a:xfrm>
+            <a:prstGeom prst="rect">
+              <a:avLst/>
+            </a:prstGeom>
+          </p:spPr>
+          <p:style>
+            <a:lnRef idx="0">
+              <a:scrgbClr r="0" g="0" b="0"/>
+            </a:lnRef>
+            <a:fillRef idx="0">
+              <a:scrgbClr r="0" g="0" b="0"/>
+            </a:fillRef>
+            <a:effectRef idx="0">
+              <a:scrgbClr r="0" g="0" b="0"/>
+            </a:effectRef>
+            <a:fontRef idx="minor">
+              <a:schemeClr val="lt1"/>
+            </a:fontRef>
+          </p:style>
+          <p:txBody>
+            <a:bodyPr spcFirstLastPara="0" vert="horz" wrap="square" lIns="55245" tIns="36830" rIns="55245" bIns="36830" numCol="1" spcCol="1270" anchor="ctr" anchorCtr="0">
+              <a:noAutofit/>
+            </a:bodyPr>
+            <a:lstStyle/>
+            <a:p>
+              <a:pPr lvl="0" algn="ctr" defTabSz="1289050" latinLnBrk="1">
+                <a:lnSpc>
+                  <a:spcPct val="90000"/>
+                </a:lnSpc>
+                <a:spcBef>
+                  <a:spcPct val="0"/>
+                </a:spcBef>
+                <a:spcAft>
+                  <a:spcPct val="35000"/>
+                </a:spcAft>
+              </a:pPr>
+              <a:endParaRPr lang="ko-KR" altLang="en-US" sz="2900" kern="1200"/>
+            </a:p>
+          </p:txBody>
+        </p:sp>
+      </p:grpSp>
+      <p:pic>
+        <p:nvPicPr>
+          <p:cNvPr id="26" name="Picture 2" descr="C:\Users\hyoo\Desktop\15.png">
+            <a:hlinkClick r:id="rId4" action="ppaction://hlinksldjump"/>
+          </p:cNvPr>
+          <p:cNvPicPr>
+            <a:picLocks noChangeAspect="1" noChangeArrowheads="1"/>
+          </p:cNvPicPr>
+          <p:nvPr/>
+        </p:nvPicPr>
+        <p:blipFill>
+          <a:blip r:embed="rId5">
+            <a:extLst>
+              <a:ext uri="{28A0092B-C50C-407E-A947-70E740481C1C}">
+                <a14:useLocalDpi xmlns:a14="http://schemas.microsoft.com/office/drawing/2010/main" val="0"/>
+              </a:ext>
+            </a:extLst>
+          </a:blip>
+          <a:srcRect/>
+          <a:stretch>
+            <a:fillRect/>
+          </a:stretch>
+        </p:blipFill>
+        <p:spPr bwMode="auto">
+          <a:xfrm>
+            <a:off x="7454234" y="703129"/>
+            <a:ext cx="493624" cy="493624"/>
+          </a:xfrm>
+          <a:prstGeom prst="rect">
+            <a:avLst/>
+          </a:prstGeom>
+          <a:noFill/>
+          <a:extLst>
+            <a:ext uri="{909E8E84-426E-40DD-AFC4-6F175D3DCCD1}">
+              <a14:hiddenFill xmlns:a14="http://schemas.microsoft.com/office/drawing/2010/main">
+                <a:solidFill>
+                  <a:srgbClr val="FFFFFF"/>
+                </a:solidFill>
+              </a14:hiddenFill>
+            </a:ext>
+          </a:extLst>
+        </p:spPr>
+      </p:pic>
+      <p:pic>
+        <p:nvPicPr>
+          <p:cNvPr id="27" name="Picture 3" descr="C:\Users\hyoo\Desktop\ww_logo.png"/>
+          <p:cNvPicPr>
+            <a:picLocks noChangeAspect="1" noChangeArrowheads="1"/>
+          </p:cNvPicPr>
+          <p:nvPr/>
+        </p:nvPicPr>
+        <p:blipFill>
+          <a:blip r:embed="rId6" cstate="print">
+            <a:extLst>
+              <a:ext uri="{28A0092B-C50C-407E-A947-70E740481C1C}">
+                <a14:useLocalDpi xmlns:a14="http://schemas.microsoft.com/office/drawing/2010/main" val="0"/>
+              </a:ext>
+            </a:extLst>
+          </a:blip>
+          <a:srcRect/>
+          <a:stretch>
+            <a:fillRect/>
+          </a:stretch>
+        </p:blipFill>
+        <p:spPr bwMode="auto">
+          <a:xfrm>
+            <a:off x="3801489" y="655997"/>
+            <a:ext cx="913029" cy="684771"/>
+          </a:xfrm>
+          <a:prstGeom prst="rect">
+            <a:avLst/>
+          </a:prstGeom>
+          <a:noFill/>
+          <a:extLst>
+            <a:ext uri="{909E8E84-426E-40DD-AFC4-6F175D3DCCD1}">
+              <a14:hiddenFill xmlns:a14="http://schemas.microsoft.com/office/drawing/2010/main">
+                <a:solidFill>
+                  <a:srgbClr val="FFFFFF"/>
+                </a:solidFill>
+              </a14:hiddenFill>
+            </a:ext>
+          </a:extLst>
+        </p:spPr>
+      </p:pic>
+      <p:sp>
+        <p:nvSpPr>
+          <p:cNvPr id="18" name="TextBox 17"/>
+          <p:cNvSpPr txBox="1"/>
+          <p:nvPr/>
+        </p:nvSpPr>
+        <p:spPr>
+          <a:xfrm>
+            <a:off x="-36512" y="1639216"/>
+            <a:ext cx="620683" cy="307777"/>
+          </a:xfrm>
+          <a:prstGeom prst="rect">
+            <a:avLst/>
+          </a:prstGeom>
+          <a:noFill/>
+        </p:spPr>
+        <p:txBody>
+          <a:bodyPr wrap="none" rtlCol="0">
+            <a:spAutoFit/>
+          </a:bodyPr>
+          <a:lstStyle/>
+          <a:p>
+            <a:r>
+              <a:rPr lang="en-US" altLang="ko-KR" sz="1400" dirty="0" smtClean="0">
+                <a:solidFill>
+                  <a:schemeClr val="bg1">
+                    <a:lumMod val="75000"/>
+                  </a:schemeClr>
+                </a:solidFill>
+              </a:rPr>
+              <a:t>index</a:t>
+            </a:r>
+            <a:endParaRPr lang="ko-KR" altLang="en-US" sz="1400" dirty="0">
+              <a:solidFill>
+                <a:schemeClr val="bg1">
+                  <a:lumMod val="75000"/>
+                </a:schemeClr>
+              </a:solidFill>
+            </a:endParaRPr>
+          </a:p>
+        </p:txBody>
+      </p:sp>
+      <p:sp>
+        <p:nvSpPr>
+          <p:cNvPr id="19" name="TextBox 18"/>
+          <p:cNvSpPr txBox="1"/>
+          <p:nvPr/>
+        </p:nvSpPr>
+        <p:spPr>
+          <a:xfrm>
+            <a:off x="1023728" y="773871"/>
+            <a:ext cx="1502463" cy="307777"/>
+          </a:xfrm>
+          <a:prstGeom prst="rect">
+            <a:avLst/>
+          </a:prstGeom>
+          <a:noFill/>
+        </p:spPr>
+        <p:txBody>
+          <a:bodyPr wrap="none" rtlCol="0">
+            <a:spAutoFit/>
+          </a:bodyPr>
+          <a:lstStyle/>
+          <a:p>
+            <a:r>
+              <a:rPr lang="en-US" altLang="ko-KR" sz="1400" dirty="0" err="1" smtClean="0">
+                <a:solidFill>
+                  <a:schemeClr val="bg1">
+                    <a:lumMod val="75000"/>
+                  </a:schemeClr>
+                </a:solidFill>
+              </a:rPr>
+              <a:t>enk</a:t>
+            </a:r>
+            <a:r>
+              <a:rPr lang="en-US" altLang="ko-KR" sz="1400" dirty="0" smtClean="0">
+                <a:solidFill>
+                  <a:schemeClr val="bg1">
+                    <a:lumMod val="75000"/>
+                  </a:schemeClr>
+                </a:solidFill>
+              </a:rPr>
+              <a:t> – </a:t>
+            </a:r>
+            <a:r>
+              <a:rPr lang="en-US" altLang="ko-KR" sz="1400" dirty="0" err="1" smtClean="0">
+                <a:solidFill>
+                  <a:schemeClr val="bg1">
+                    <a:lumMod val="75000"/>
+                  </a:schemeClr>
+                </a:solidFill>
+              </a:rPr>
+              <a:t>sel</a:t>
+            </a:r>
+            <a:r>
+              <a:rPr lang="en-US" altLang="ko-KR" sz="1400" dirty="0" smtClean="0">
+                <a:solidFill>
+                  <a:schemeClr val="bg1">
+                    <a:lumMod val="75000"/>
+                  </a:schemeClr>
+                </a:solidFill>
+              </a:rPr>
+              <a:t> - </a:t>
+            </a:r>
+            <a:r>
+              <a:rPr lang="en-US" altLang="ko-KR" sz="1400" dirty="0" err="1" smtClean="0">
+                <a:solidFill>
+                  <a:schemeClr val="bg1">
+                    <a:lumMod val="75000"/>
+                  </a:schemeClr>
+                </a:solidFill>
+              </a:rPr>
+              <a:t>etest</a:t>
+            </a:r>
+            <a:endParaRPr lang="ko-KR" altLang="en-US" sz="1400" dirty="0">
+              <a:solidFill>
+                <a:schemeClr val="bg1">
+                  <a:lumMod val="75000"/>
+                </a:schemeClr>
+              </a:solidFill>
+            </a:endParaRPr>
+          </a:p>
+        </p:txBody>
+      </p:sp>
+      <p:sp>
+        <p:nvSpPr>
+          <p:cNvPr id="20" name="TextBox 19"/>
+          <p:cNvSpPr txBox="1"/>
+          <p:nvPr/>
+        </p:nvSpPr>
+        <p:spPr>
+          <a:xfrm>
+            <a:off x="1023728" y="1350411"/>
+            <a:ext cx="1990930" cy="307777"/>
+          </a:xfrm>
+          <a:prstGeom prst="rect">
+            <a:avLst/>
+          </a:prstGeom>
+          <a:noFill/>
+        </p:spPr>
+        <p:txBody>
+          <a:bodyPr wrap="none" rtlCol="0">
+            <a:spAutoFit/>
+          </a:bodyPr>
+          <a:lstStyle/>
+          <a:p>
+            <a:r>
+              <a:rPr lang="en-US" altLang="ko-KR" sz="1400" dirty="0" smtClean="0">
+                <a:solidFill>
+                  <a:schemeClr val="bg1">
+                    <a:lumMod val="75000"/>
+                  </a:schemeClr>
+                </a:solidFill>
+              </a:rPr>
+              <a:t>mw – view - </a:t>
+            </a:r>
+            <a:r>
+              <a:rPr lang="en-US" altLang="ko-KR" sz="1400" dirty="0" err="1">
+                <a:solidFill>
+                  <a:schemeClr val="bg1">
+                    <a:lumMod val="75000"/>
+                  </a:schemeClr>
+                </a:solidFill>
+              </a:rPr>
+              <a:t>mtest</a:t>
+            </a:r>
+            <a:r>
+              <a:rPr lang="en-US" altLang="ko-KR" sz="1400" dirty="0">
+                <a:solidFill>
+                  <a:schemeClr val="bg1">
+                    <a:lumMod val="75000"/>
+                  </a:schemeClr>
+                </a:solidFill>
+              </a:rPr>
+              <a:t>- </a:t>
+            </a:r>
+            <a:r>
+              <a:rPr lang="en-US" altLang="ko-KR" sz="1400" dirty="0" smtClean="0">
+                <a:solidFill>
+                  <a:schemeClr val="bg1">
+                    <a:lumMod val="75000"/>
+                  </a:schemeClr>
+                </a:solidFill>
+              </a:rPr>
+              <a:t>re</a:t>
+            </a:r>
+            <a:endParaRPr lang="ko-KR" altLang="en-US" sz="1400" dirty="0">
+              <a:solidFill>
+                <a:schemeClr val="bg1">
+                  <a:lumMod val="75000"/>
+                </a:schemeClr>
+              </a:solidFill>
+            </a:endParaRPr>
+          </a:p>
+        </p:txBody>
+      </p:sp>
+      <p:sp>
+        <p:nvSpPr>
+          <p:cNvPr id="25" name="TextBox 24"/>
+          <p:cNvSpPr txBox="1"/>
+          <p:nvPr/>
+        </p:nvSpPr>
+        <p:spPr>
+          <a:xfrm>
+            <a:off x="1023728" y="1927487"/>
+            <a:ext cx="450764" cy="307777"/>
+          </a:xfrm>
+          <a:prstGeom prst="rect">
+            <a:avLst/>
+          </a:prstGeom>
+          <a:noFill/>
+        </p:spPr>
+        <p:txBody>
+          <a:bodyPr wrap="none" rtlCol="0">
+            <a:spAutoFit/>
+          </a:bodyPr>
+          <a:lstStyle/>
+          <a:p>
+            <a:r>
+              <a:rPr lang="en-US" altLang="ko-KR" sz="1400" dirty="0" err="1" smtClean="0">
+                <a:solidFill>
+                  <a:schemeClr val="bg1">
+                    <a:lumMod val="75000"/>
+                  </a:schemeClr>
+                </a:solidFill>
+              </a:rPr>
+              <a:t>mp</a:t>
+            </a:r>
+            <a:endParaRPr lang="ko-KR" altLang="en-US" sz="1400" dirty="0">
+              <a:solidFill>
+                <a:schemeClr val="bg1">
+                  <a:lumMod val="75000"/>
+                </a:schemeClr>
+              </a:solidFill>
+            </a:endParaRPr>
+          </a:p>
+        </p:txBody>
+      </p:sp>
+      <p:sp>
+        <p:nvSpPr>
+          <p:cNvPr id="28" name="TextBox 27"/>
+          <p:cNvSpPr txBox="1"/>
+          <p:nvPr/>
+        </p:nvSpPr>
+        <p:spPr>
+          <a:xfrm>
+            <a:off x="1023728" y="2504563"/>
+            <a:ext cx="436338" cy="307777"/>
+          </a:xfrm>
+          <a:prstGeom prst="rect">
+            <a:avLst/>
+          </a:prstGeom>
+          <a:noFill/>
+        </p:spPr>
+        <p:txBody>
+          <a:bodyPr wrap="none" rtlCol="0">
+            <a:spAutoFit/>
+          </a:bodyPr>
+          <a:lstStyle/>
+          <a:p>
+            <a:r>
+              <a:rPr lang="en-US" altLang="ko-KR" sz="1400" b="1" dirty="0" smtClean="0">
+                <a:solidFill>
+                  <a:srgbClr val="FF0000"/>
+                </a:solidFill>
+              </a:rPr>
+              <a:t>set</a:t>
+            </a:r>
+            <a:endParaRPr lang="ko-KR" altLang="en-US" sz="1400" b="1" dirty="0">
+              <a:solidFill>
+                <a:srgbClr val="FF0000"/>
+              </a:solidFill>
+            </a:endParaRPr>
+          </a:p>
+        </p:txBody>
+      </p:sp>
+      <p:cxnSp>
+        <p:nvCxnSpPr>
+          <p:cNvPr id="29" name="직선 연결선 28"/>
+          <p:cNvCxnSpPr>
+            <a:stCxn id="19" idx="1"/>
+          </p:cNvCxnSpPr>
+          <p:nvPr/>
+        </p:nvCxnSpPr>
+        <p:spPr>
+          <a:xfrm flipH="1">
+            <a:off x="805003" y="927760"/>
+            <a:ext cx="218725" cy="0"/>
+          </a:xfrm>
+          <a:prstGeom prst="line">
+            <a:avLst/>
+          </a:prstGeom>
+          <a:ln>
+            <a:solidFill>
+              <a:schemeClr val="bg1">
+                <a:lumMod val="85000"/>
+              </a:schemeClr>
+            </a:solidFill>
+          </a:ln>
+        </p:spPr>
+        <p:style>
+          <a:lnRef idx="1">
+            <a:schemeClr val="accent1"/>
+          </a:lnRef>
+          <a:fillRef idx="0">
+            <a:schemeClr val="accent1"/>
+          </a:fillRef>
+          <a:effectRef idx="0">
+            <a:schemeClr val="accent1"/>
+          </a:effectRef>
+          <a:fontRef idx="minor">
+            <a:schemeClr val="tx1"/>
+          </a:fontRef>
+        </p:style>
+      </p:cxnSp>
+      <p:cxnSp>
+        <p:nvCxnSpPr>
+          <p:cNvPr id="30" name="직선 연결선 29"/>
+          <p:cNvCxnSpPr/>
+          <p:nvPr/>
+        </p:nvCxnSpPr>
+        <p:spPr>
+          <a:xfrm>
+            <a:off x="805003" y="927759"/>
+            <a:ext cx="0" cy="1730692"/>
+          </a:xfrm>
+          <a:prstGeom prst="line">
+            <a:avLst/>
+          </a:prstGeom>
+          <a:ln>
+            <a:solidFill>
+              <a:schemeClr val="bg1">
+                <a:lumMod val="85000"/>
+              </a:schemeClr>
+            </a:solidFill>
+          </a:ln>
+        </p:spPr>
+        <p:style>
+          <a:lnRef idx="1">
+            <a:schemeClr val="accent1"/>
+          </a:lnRef>
+          <a:fillRef idx="0">
+            <a:schemeClr val="accent1"/>
+          </a:fillRef>
+          <a:effectRef idx="0">
+            <a:schemeClr val="accent1"/>
+          </a:effectRef>
+          <a:fontRef idx="minor">
+            <a:schemeClr val="tx1"/>
+          </a:fontRef>
+        </p:style>
+      </p:cxnSp>
+      <p:cxnSp>
+        <p:nvCxnSpPr>
+          <p:cNvPr id="31" name="직선 연결선 30"/>
+          <p:cNvCxnSpPr/>
+          <p:nvPr/>
+        </p:nvCxnSpPr>
+        <p:spPr>
+          <a:xfrm>
+            <a:off x="805003" y="2658451"/>
+            <a:ext cx="218725" cy="1"/>
+          </a:xfrm>
+          <a:prstGeom prst="line">
+            <a:avLst/>
+          </a:prstGeom>
+          <a:ln>
+            <a:solidFill>
+              <a:schemeClr val="bg1">
+                <a:lumMod val="85000"/>
+              </a:schemeClr>
+            </a:solidFill>
+          </a:ln>
+        </p:spPr>
+        <p:style>
+          <a:lnRef idx="1">
+            <a:schemeClr val="accent1"/>
+          </a:lnRef>
+          <a:fillRef idx="0">
+            <a:schemeClr val="accent1"/>
+          </a:fillRef>
+          <a:effectRef idx="0">
+            <a:schemeClr val="accent1"/>
+          </a:effectRef>
+          <a:fontRef idx="minor">
+            <a:schemeClr val="tx1"/>
+          </a:fontRef>
+        </p:style>
+      </p:cxnSp>
+      <p:cxnSp>
+        <p:nvCxnSpPr>
+          <p:cNvPr id="32" name="직선 연결선 31"/>
+          <p:cNvCxnSpPr>
+            <a:stCxn id="18" idx="3"/>
+          </p:cNvCxnSpPr>
+          <p:nvPr/>
+        </p:nvCxnSpPr>
+        <p:spPr>
+          <a:xfrm>
+            <a:off x="584171" y="1793105"/>
+            <a:ext cx="220832" cy="0"/>
+          </a:xfrm>
+          <a:prstGeom prst="line">
+            <a:avLst/>
+          </a:prstGeom>
+          <a:ln>
+            <a:solidFill>
+              <a:schemeClr val="bg1">
+                <a:lumMod val="85000"/>
+              </a:schemeClr>
+            </a:solidFill>
+          </a:ln>
+        </p:spPr>
+        <p:style>
+          <a:lnRef idx="1">
+            <a:schemeClr val="accent1"/>
+          </a:lnRef>
+          <a:fillRef idx="0">
+            <a:schemeClr val="accent1"/>
+          </a:fillRef>
+          <a:effectRef idx="0">
+            <a:schemeClr val="accent1"/>
+          </a:effectRef>
+          <a:fontRef idx="minor">
+            <a:schemeClr val="tx1"/>
+          </a:fontRef>
+        </p:style>
+      </p:cxnSp>
+    </p:spTree>
+    <p:extLst>
+      <p:ext uri="{BB962C8B-B14F-4D97-AF65-F5344CB8AC3E}">
+        <p14:creationId xmlns:p14="http://schemas.microsoft.com/office/powerpoint/2010/main" val="910111304"/>
+      </p:ext>
+    </p:extLst>
+  </p:cSld>
+  <p:clrMapOvr>
+    <a:masterClrMapping/>
+  </p:clrMapOvr>
+  <p:timing>
+    <p:tnLst>
+      <p:par>
+        <p:cTn id="1" dur="indefinite" restart="never" nodeType="tmRoot">
+          <p:childTnLst>
+            <p:seq concurrent="1" nextAc="seek">
+              <p:cTn id="2" dur="indefinite" nodeType="mainSeq">
+                <p:childTnLst>
+                  <p:par>
+                    <p:cTn id="3" fill="hold">
+                      <p:stCondLst>
+                        <p:cond delay="indefinite"/>
+                      </p:stCondLst>
+                      <p:childTnLst>
+                        <p:par>
+                          <p:cTn id="4" fill="hold">
+                            <p:stCondLst>
+                              <p:cond delay="0"/>
+                            </p:stCondLst>
+                            <p:childTnLst>
+                              <p:par>
+                                <p:cTn id="5" presetID="3" presetClass="emph" presetSubtype="2" fill="hold" grpId="0" nodeType="clickEffect">
+                                  <p:stCondLst>
+                                    <p:cond delay="0"/>
+                                  </p:stCondLst>
+                                  <p:childTnLst>
+                                    <p:animClr clrSpc="rgb" dir="cw">
+                                      <p:cBhvr override="childStyle">
+                                        <p:cTn id="6" dur="2000" fill="hold"/>
+                                        <p:tgtEl>
+                                          <p:spTgt spid="18"/>
+                                        </p:tgtEl>
+                                        <p:attrNameLst>
+                                          <p:attrName>style.color</p:attrName>
+                                        </p:attrNameLst>
+                                      </p:cBhvr>
+                                      <p:to>
+                                        <a:schemeClr val="accent2"/>
+                                      </p:to>
+                                    </p:animClr>
+                                  </p:childTnLst>
+                                </p:cTn>
+                              </p:par>
+                            </p:childTnLst>
+                          </p:cTn>
+                        </p:par>
+                      </p:childTnLst>
+                    </p:cTn>
+                  </p:par>
+                </p:childTnLst>
+              </p:cTn>
+              <p:prevCondLst>
+                <p:cond evt="onPrev" delay="0">
+                  <p:tgtEl>
+                    <p:sldTgt/>
+                  </p:tgtEl>
+                </p:cond>
+              </p:prevCondLst>
+              <p:nextCondLst>
+                <p:cond evt="onNext" delay="0">
+                  <p:tgtEl>
+                    <p:sldTgt/>
+                  </p:tgtEl>
+                </p:cond>
+              </p:nextCondLst>
+            </p:seq>
+          </p:childTnLst>
+        </p:cTn>
+      </p:par>
+    </p:tnLst>
+    <p:bldLst>
+      <p:bldP spid="18" grpId="0"/>
     </p:bldLst>
   </p:timing>
 </p:sld>
